--- a/CSOF5204 Arquitectura de Software/0609SegundaEntregaSAD.pptx
+++ b/CSOF5204 Arquitectura de Software/0609SegundaEntregaSAD.pptx
@@ -9707,7 +9707,7 @@
           <a:noFill/>
           <a:ln w="28575">
             <a:solidFill>
-              <a:schemeClr val="accent6"/>
+              <a:srgbClr val="FF9900"/>
             </a:solidFill>
             <a:miter lim="800000"/>
             <a:headEnd/>
@@ -9741,7 +9741,7 @@
           <a:noFill/>
           <a:ln w="28575">
             <a:solidFill>
-              <a:schemeClr val="accent6"/>
+              <a:srgbClr val="FF9900"/>
             </a:solidFill>
             <a:miter lim="800000"/>
             <a:headEnd/>
@@ -9775,7 +9775,7 @@
           <a:noFill/>
           <a:ln w="28575">
             <a:solidFill>
-              <a:schemeClr val="accent6"/>
+              <a:srgbClr val="FF9900"/>
             </a:solidFill>
             <a:miter lim="800000"/>
             <a:headEnd/>

--- a/CSOF5204 Arquitectura de Software/0609SegundaEntregaSAD.pptx
+++ b/CSOF5204 Arquitectura de Software/0609SegundaEntregaSAD.pptx
@@ -1893,6 +1893,13 @@
     <dgm:pt modelId="{2502016F-FE4F-4002-B92E-A1A477D066D7}" type="pres">
       <dgm:prSet presAssocID="{E56804A6-DE94-44DE-9D9D-33DFC5B43C1C}" presName="Name13" presStyleLbl="parChTrans1D2" presStyleIdx="7" presStyleCnt="9"/>
       <dgm:spPr/>
+      <dgm:t>
+        <a:bodyPr/>
+        <a:lstStyle/>
+        <a:p>
+          <a:endParaRPr lang="es-CO"/>
+        </a:p>
+      </dgm:t>
     </dgm:pt>
     <dgm:pt modelId="{F318D603-62AE-42F4-BCFE-3CA18EA37A50}" type="pres">
       <dgm:prSet presAssocID="{FFEE106D-3519-4694-898B-4C42F2854BF0}" presName="childText" presStyleLbl="bgAcc1" presStyleIdx="7" presStyleCnt="9">
@@ -1944,9 +1951,9 @@
     <dgm:cxn modelId="{C6637CF6-3429-4E17-B9A8-67174D381DDD}" type="presOf" srcId="{C8BBBF45-4369-463B-A3F0-FDB18E393C79}" destId="{862F0A2C-D4D1-4F8C-9C07-F36E1642FB05}" srcOrd="0" destOrd="0" presId="urn:microsoft.com/office/officeart/2005/8/layout/hierarchy3"/>
     <dgm:cxn modelId="{7480E27A-6372-4304-9D88-175923DCDD36}" type="presOf" srcId="{2AF7E51A-39B6-4271-8959-C07F8FC068D0}" destId="{3B2D107F-998A-49ED-8987-B713F4333FBB}" srcOrd="0" destOrd="0" presId="urn:microsoft.com/office/officeart/2005/8/layout/hierarchy3"/>
     <dgm:cxn modelId="{120D63B0-8061-41A7-8C32-FEC43E58ECA2}" type="presOf" srcId="{5C14E2D6-B6F1-4A93-B322-844D084BCB28}" destId="{99F4284E-8948-46C0-BECC-23C3832C7713}" srcOrd="0" destOrd="0" presId="urn:microsoft.com/office/officeart/2005/8/layout/hierarchy3"/>
-    <dgm:cxn modelId="{C14D09C2-8685-47CD-AE91-B04F21793C3C}" type="presOf" srcId="{77076A91-CA42-4F2E-89AE-E9C8BA6CBB76}" destId="{B372D54D-CCAF-451C-8418-C6F3C1C074E9}" srcOrd="0" destOrd="0" presId="urn:microsoft.com/office/officeart/2005/8/layout/hierarchy3"/>
     <dgm:cxn modelId="{8ABCA149-88ED-484E-B8D3-C503ED09F11A}" type="presOf" srcId="{E56804A6-DE94-44DE-9D9D-33DFC5B43C1C}" destId="{2502016F-FE4F-4002-B92E-A1A477D066D7}" srcOrd="0" destOrd="0" presId="urn:microsoft.com/office/officeart/2005/8/layout/hierarchy3"/>
     <dgm:cxn modelId="{C54DAF62-E1E1-4CC9-961F-548C0BABF7B8}" srcId="{8E36995D-E040-4272-874A-EA13EF8E54E0}" destId="{339B2AA3-1E42-4A6B-A378-8FFE23450DEC}" srcOrd="0" destOrd="0" parTransId="{1EB95A9C-0698-4EC7-A1B0-64BB4027B576}" sibTransId="{43019FE5-6242-4E4B-ABBB-CAB4B51B27D5}"/>
+    <dgm:cxn modelId="{C14D09C2-8685-47CD-AE91-B04F21793C3C}" type="presOf" srcId="{77076A91-CA42-4F2E-89AE-E9C8BA6CBB76}" destId="{B372D54D-CCAF-451C-8418-C6F3C1C074E9}" srcOrd="0" destOrd="0" presId="urn:microsoft.com/office/officeart/2005/8/layout/hierarchy3"/>
     <dgm:cxn modelId="{AFF4585B-932A-4996-A486-5B687C08D2F4}" type="presOf" srcId="{339B2AA3-1E42-4A6B-A378-8FFE23450DEC}" destId="{3B843BE8-1887-47C0-B584-2382A74B3552}" srcOrd="1" destOrd="0" presId="urn:microsoft.com/office/officeart/2005/8/layout/hierarchy3"/>
     <dgm:cxn modelId="{880E0CCA-EEA1-4D9A-8C3C-70992F1D5571}" srcId="{339B2AA3-1E42-4A6B-A378-8FFE23450DEC}" destId="{F373F8EC-0147-411F-B267-E59FF7110209}" srcOrd="1" destOrd="0" parTransId="{CE004118-614A-48B0-9C6B-0B9CD7EB9AE5}" sibTransId="{88A22F0B-E9C9-4ABE-A93F-25A2FA84589F}"/>
     <dgm:cxn modelId="{AD55AED6-E4BE-4891-B46E-3ADE0C5DCCA7}" type="presOf" srcId="{FA19802A-3E20-4707-B853-1C73176C18B2}" destId="{F8059D26-2A42-42C4-AF5C-0650F3DD98EC}" srcOrd="0" destOrd="0" presId="urn:microsoft.com/office/officeart/2005/8/layout/hierarchy3"/>
@@ -1955,8 +1962,8 @@
     <dgm:cxn modelId="{875938F6-66DA-454D-A174-A9186E890F27}" srcId="{8E36995D-E040-4272-874A-EA13EF8E54E0}" destId="{14E82AFB-EFBB-4E88-B7EC-3F87E1639485}" srcOrd="2" destOrd="0" parTransId="{64334382-0B63-4D35-9DEA-4043949C8B2A}" sibTransId="{5753B0E7-0A49-4DDA-A7A1-4176530B9290}"/>
     <dgm:cxn modelId="{A114B287-68B3-4387-9C42-0B96ABED3653}" type="presOf" srcId="{B8144074-AB38-4726-A880-8B8D6EED1CBA}" destId="{14571AA6-309B-4083-9A98-53EF42926BEE}" srcOrd="0" destOrd="0" presId="urn:microsoft.com/office/officeart/2005/8/layout/hierarchy3"/>
     <dgm:cxn modelId="{F631A798-D23A-411C-BC85-CA0D3AE7E60C}" type="presOf" srcId="{F373F8EC-0147-411F-B267-E59FF7110209}" destId="{482B2676-764C-4D82-8E15-1636D2B3032A}" srcOrd="0" destOrd="0" presId="urn:microsoft.com/office/officeart/2005/8/layout/hierarchy3"/>
+    <dgm:cxn modelId="{3BB6EA48-E982-4DE8-AE3B-F66D38CD1EAC}" type="presOf" srcId="{7D7BE312-1D18-4D4B-BE70-C24DB53BF1E8}" destId="{29EDC16B-C2D9-48FF-A330-B5322F3C3384}" srcOrd="0" destOrd="0" presId="urn:microsoft.com/office/officeart/2005/8/layout/hierarchy3"/>
     <dgm:cxn modelId="{164F7FDA-6743-4AB0-86C8-E36D4E683C8F}" type="presOf" srcId="{FFEE106D-3519-4694-898B-4C42F2854BF0}" destId="{F318D603-62AE-42F4-BCFE-3CA18EA37A50}" srcOrd="0" destOrd="0" presId="urn:microsoft.com/office/officeart/2005/8/layout/hierarchy3"/>
-    <dgm:cxn modelId="{3BB6EA48-E982-4DE8-AE3B-F66D38CD1EAC}" type="presOf" srcId="{7D7BE312-1D18-4D4B-BE70-C24DB53BF1E8}" destId="{29EDC16B-C2D9-48FF-A330-B5322F3C3384}" srcOrd="0" destOrd="0" presId="urn:microsoft.com/office/officeart/2005/8/layout/hierarchy3"/>
     <dgm:cxn modelId="{F0FFB0C0-4BC7-4EBF-9F15-2F1307FBC8C9}" type="presOf" srcId="{3C164BAF-6A61-4D18-BB64-239E943A68E0}" destId="{FF1080CB-5C4A-4390-BBFF-54F63D257FBF}" srcOrd="0" destOrd="0" presId="urn:microsoft.com/office/officeart/2005/8/layout/hierarchy3"/>
     <dgm:cxn modelId="{97A3FB52-C814-4736-A6A2-61401BF17068}" srcId="{0E359E2E-B7EA-47F6-93DF-A16663F8EF02}" destId="{9FD407EE-68A3-4B3E-A719-57375680F872}" srcOrd="0" destOrd="0" parTransId="{2AF7E51A-39B6-4271-8959-C07F8FC068D0}" sibTransId="{D9A6411A-6721-4E4E-BF2F-E96FB5A487C8}"/>
     <dgm:cxn modelId="{C742E2E0-A997-4284-8DD7-6DF5B9B87ED9}" srcId="{14E82AFB-EFBB-4E88-B7EC-3F87E1639485}" destId="{77076A91-CA42-4F2E-89AE-E9C8BA6CBB76}" srcOrd="1" destOrd="0" parTransId="{C8BBBF45-4369-463B-A3F0-FDB18E393C79}" sibTransId="{1E2F2770-C891-4A24-AD53-C06F9513E4B5}"/>
@@ -1964,9 +1971,9 @@
     <dgm:cxn modelId="{CFA457E7-F333-4E8A-8B11-F5BF51F6A229}" type="presOf" srcId="{0964EC53-11DF-499B-BB1F-CF4FC728035A}" destId="{8726E48D-D2BD-42E8-A23A-54A0D1634165}" srcOrd="0" destOrd="0" presId="urn:microsoft.com/office/officeart/2005/8/layout/hierarchy3"/>
     <dgm:cxn modelId="{109CA546-5901-4476-B3CD-6645573B9F00}" srcId="{8E36995D-E040-4272-874A-EA13EF8E54E0}" destId="{0E359E2E-B7EA-47F6-93DF-A16663F8EF02}" srcOrd="1" destOrd="0" parTransId="{25829F23-2669-44FA-9D1E-EA75CF00F4F1}" sibTransId="{2D1D8481-09F9-4F1E-B017-61F134646F26}"/>
     <dgm:cxn modelId="{3CECE04B-FF7D-4A67-9E19-352042A22495}" type="presOf" srcId="{14E82AFB-EFBB-4E88-B7EC-3F87E1639485}" destId="{FEB03C08-AA20-405E-8F26-9B975DEDD5A5}" srcOrd="0" destOrd="0" presId="urn:microsoft.com/office/officeart/2005/8/layout/hierarchy3"/>
-    <dgm:cxn modelId="{EE779471-F677-48CE-B629-90129C4D69CD}" srcId="{0E359E2E-B7EA-47F6-93DF-A16663F8EF02}" destId="{5C14E2D6-B6F1-4A93-B322-844D084BCB28}" srcOrd="1" destOrd="0" parTransId="{0964EC53-11DF-499B-BB1F-CF4FC728035A}" sibTransId="{59FA2361-E81C-4EE3-872F-20248ADE4F73}"/>
     <dgm:cxn modelId="{A383482E-6ACE-4398-B89C-2C0B4B7291E6}" type="presOf" srcId="{0DC54F9A-B5D8-4BA5-809E-8DAEDC54F3E0}" destId="{505BD0BD-1F1C-483E-8303-C8E3E7E90E58}" srcOrd="0" destOrd="0" presId="urn:microsoft.com/office/officeart/2005/8/layout/hierarchy3"/>
     <dgm:cxn modelId="{5208B468-F2B2-4F22-BCBE-2352137EE016}" type="presOf" srcId="{9FD407EE-68A3-4B3E-A719-57375680F872}" destId="{9355BA53-A72C-44AC-B665-0AC4C7931B2A}" srcOrd="0" destOrd="0" presId="urn:microsoft.com/office/officeart/2005/8/layout/hierarchy3"/>
+    <dgm:cxn modelId="{EE779471-F677-48CE-B629-90129C4D69CD}" srcId="{0E359E2E-B7EA-47F6-93DF-A16663F8EF02}" destId="{5C14E2D6-B6F1-4A93-B322-844D084BCB28}" srcOrd="1" destOrd="0" parTransId="{0964EC53-11DF-499B-BB1F-CF4FC728035A}" sibTransId="{59FA2361-E81C-4EE3-872F-20248ADE4F73}"/>
     <dgm:cxn modelId="{B036F477-03A3-4FE4-9439-3F31D0DEB964}" type="presOf" srcId="{42AB4FCE-EC18-4BBA-8DDB-A374F4974D59}" destId="{21548377-70DA-4575-A341-B56A0C95C0C9}" srcOrd="0" destOrd="0" presId="urn:microsoft.com/office/officeart/2005/8/layout/hierarchy3"/>
     <dgm:cxn modelId="{584D038E-07B9-4A3C-AA96-3CB5D01FBE4E}" type="presOf" srcId="{0B7DD321-B52B-4CF1-9DCE-907E2A547AAE}" destId="{77CF7837-035B-4350-88EE-A1C68FA1145B}" srcOrd="0" destOrd="0" presId="urn:microsoft.com/office/officeart/2005/8/layout/hierarchy3"/>
     <dgm:cxn modelId="{60E654CD-6E92-4B5E-9C39-A61757E9FD15}" srcId="{0E359E2E-B7EA-47F6-93DF-A16663F8EF02}" destId="{B8144074-AB38-4726-A880-8B8D6EED1CBA}" srcOrd="2" destOrd="0" parTransId="{0B7DD321-B52B-4CF1-9DCE-907E2A547AAE}" sibTransId="{65596B36-684F-4C43-90D5-CDCF496B4531}"/>
@@ -8949,7 +8956,7 @@
           <p:nvPr/>
         </p:nvPicPr>
         <p:blipFill>
-          <a:blip r:embed="rId3" cstate="print"/>
+          <a:blip r:embed="rId2" cstate="print"/>
           <a:srcRect/>
           <a:stretch>
             <a:fillRect/>
@@ -9067,40 +9074,6 @@
           </a:p>
         </p:txBody>
       </p:sp>
-      <p:pic>
-        <p:nvPicPr>
-          <p:cNvPr id="15363" name="Picture 3"/>
-          <p:cNvPicPr>
-            <a:picLocks noChangeAspect="1" noChangeArrowheads="1"/>
-          </p:cNvPicPr>
-          <p:nvPr/>
-        </p:nvPicPr>
-        <p:blipFill>
-          <a:blip r:embed="rId4" cstate="print"/>
-          <a:srcRect/>
-          <a:stretch>
-            <a:fillRect/>
-          </a:stretch>
-        </p:blipFill>
-        <p:spPr bwMode="auto">
-          <a:xfrm>
-            <a:off x="1985963" y="1628800"/>
-            <a:ext cx="5172075" cy="3552825"/>
-          </a:xfrm>
-          <a:prstGeom prst="rect">
-            <a:avLst/>
-          </a:prstGeom>
-          <a:noFill/>
-          <a:ln w="28575">
-            <a:solidFill>
-              <a:srgbClr val="00B0F0"/>
-            </a:solidFill>
-            <a:miter lim="800000"/>
-            <a:headEnd/>
-            <a:tailEnd/>
-          </a:ln>
-        </p:spPr>
-      </p:pic>
       <p:grpSp>
         <p:nvGrpSpPr>
           <p:cNvPr id="15" name="14 Grupo"/>
@@ -9202,26 +9175,6 @@
           </p:txBody>
         </p:sp>
       </p:grpSp>
-      <p:graphicFrame>
-        <p:nvGraphicFramePr>
-          <p:cNvPr id="17410" name="Object 2"/>
-          <p:cNvGraphicFramePr>
-            <a:graphicFrameLocks noChangeAspect="1"/>
-          </p:cNvGraphicFramePr>
-          <p:nvPr/>
-        </p:nvGraphicFramePr>
-        <p:xfrm>
-          <a:off x="2400134" y="2141482"/>
-          <a:ext cx="1946275" cy="290513"/>
-        </p:xfrm>
-        <a:graphic>
-          <a:graphicData uri="http://schemas.openxmlformats.org/presentationml/2006/ole">
-            <p:oleObj spid="_x0000_s17410" name="Visio" r:id="rId5" imgW="1945802" imgH="289794" progId="Visio.Drawing.11">
-              <p:link updateAutomatic="1"/>
-            </p:oleObj>
-          </a:graphicData>
-        </a:graphic>
-      </p:graphicFrame>
       <p:pic>
         <p:nvPicPr>
           <p:cNvPr id="19" name="Picture 5"/>
@@ -9231,7 +9184,7 @@
           <p:nvPr/>
         </p:nvPicPr>
         <p:blipFill>
-          <a:blip r:embed="rId6" cstate="print"/>
+          <a:blip r:embed="rId3" cstate="print"/>
           <a:srcRect/>
           <a:stretch>
             <a:fillRect/>
@@ -9293,29 +9246,8 @@
                   </a:outerShdw>
                 </a:effectLst>
               </a:rPr>
-              <a:t>Punto de vista </a:t>
+              <a:t>Punto de vista despliegue -</a:t>
             </a:r>
-            <a:r>
-              <a:rPr lang="es-CO" sz="2400" i="1" dirty="0" smtClean="0">
-                <a:effectLst>
-                  <a:outerShdw blurRad="38100" dist="38100" dir="2700000" algn="tl">
-                    <a:srgbClr val="000000">
-                      <a:alpha val="43137"/>
-                    </a:srgbClr>
-                  </a:outerShdw>
-                </a:effectLst>
-              </a:rPr>
-              <a:t>despliegue -</a:t>
-            </a:r>
-            <a:endParaRPr lang="es-CO" sz="2400" i="1" dirty="0" smtClean="0">
-              <a:effectLst>
-                <a:outerShdw blurRad="38100" dist="38100" dir="2700000" algn="tl">
-                  <a:srgbClr val="000000">
-                    <a:alpha val="43137"/>
-                  </a:srgbClr>
-                </a:outerShdw>
-              </a:effectLst>
-            </a:endParaRPr>
           </a:p>
         </p:txBody>
       </p:sp>
@@ -9369,6 +9301,72 @@
           </a:p>
         </p:txBody>
       </p:sp>
+      <p:pic>
+        <p:nvPicPr>
+          <p:cNvPr id="13" name="Picture 6"/>
+          <p:cNvPicPr>
+            <a:picLocks noChangeAspect="1" noChangeArrowheads="1"/>
+          </p:cNvPicPr>
+          <p:nvPr/>
+        </p:nvPicPr>
+        <p:blipFill>
+          <a:blip r:embed="rId4" cstate="print"/>
+          <a:srcRect/>
+          <a:stretch>
+            <a:fillRect/>
+          </a:stretch>
+        </p:blipFill>
+        <p:spPr bwMode="auto">
+          <a:xfrm>
+            <a:off x="2123728" y="1412776"/>
+            <a:ext cx="5256584" cy="4232115"/>
+          </a:xfrm>
+          <a:prstGeom prst="rect">
+            <a:avLst/>
+          </a:prstGeom>
+          <a:noFill/>
+          <a:ln w="9525">
+            <a:noFill/>
+            <a:miter lim="800000"/>
+            <a:headEnd/>
+            <a:tailEnd/>
+          </a:ln>
+        </p:spPr>
+      </p:pic>
+      <p:pic>
+        <p:nvPicPr>
+          <p:cNvPr id="17412" name="Picture 4"/>
+          <p:cNvPicPr>
+            <a:picLocks noChangeAspect="1" noChangeArrowheads="1"/>
+          </p:cNvPicPr>
+          <p:nvPr/>
+        </p:nvPicPr>
+        <p:blipFill>
+          <a:blip r:embed="rId5" cstate="print"/>
+          <a:srcRect/>
+          <a:stretch>
+            <a:fillRect/>
+          </a:stretch>
+        </p:blipFill>
+        <p:spPr bwMode="auto">
+          <a:xfrm>
+            <a:off x="3037644" y="1628800"/>
+            <a:ext cx="869032" cy="434516"/>
+          </a:xfrm>
+          <a:prstGeom prst="rect">
+            <a:avLst/>
+          </a:prstGeom>
+          <a:noFill/>
+          <a:ln w="28575">
+            <a:solidFill>
+              <a:srgbClr val="00B0F0"/>
+            </a:solidFill>
+            <a:miter lim="800000"/>
+            <a:headEnd/>
+            <a:tailEnd/>
+          </a:ln>
+        </p:spPr>
+      </p:pic>
     </p:spTree>
   </p:cSld>
   <p:clrMapOvr>
@@ -9410,7 +9408,7 @@
           <p:nvPr/>
         </p:nvPicPr>
         <p:blipFill>
-          <a:blip r:embed="rId3" cstate="print"/>
+          <a:blip r:embed="rId2" cstate="print"/>
           <a:srcRect/>
           <a:stretch>
             <a:fillRect/>
@@ -9528,58 +9526,6 @@
           </a:p>
         </p:txBody>
       </p:sp>
-      <p:pic>
-        <p:nvPicPr>
-          <p:cNvPr id="15363" name="Picture 3"/>
-          <p:cNvPicPr>
-            <a:picLocks noChangeAspect="1" noChangeArrowheads="1"/>
-          </p:cNvPicPr>
-          <p:nvPr/>
-        </p:nvPicPr>
-        <p:blipFill>
-          <a:blip r:embed="rId4" cstate="print"/>
-          <a:srcRect/>
-          <a:stretch>
-            <a:fillRect/>
-          </a:stretch>
-        </p:blipFill>
-        <p:spPr bwMode="auto">
-          <a:xfrm>
-            <a:off x="1985963" y="1628800"/>
-            <a:ext cx="5172075" cy="3552825"/>
-          </a:xfrm>
-          <a:prstGeom prst="rect">
-            <a:avLst/>
-          </a:prstGeom>
-          <a:noFill/>
-          <a:ln w="28575">
-            <a:noFill/>
-            <a:miter lim="800000"/>
-            <a:headEnd/>
-            <a:tailEnd/>
-          </a:ln>
-        </p:spPr>
-      </p:pic>
-      <p:graphicFrame>
-        <p:nvGraphicFramePr>
-          <p:cNvPr id="18435" name="Object 3"/>
-          <p:cNvGraphicFramePr>
-            <a:graphicFrameLocks noChangeAspect="1"/>
-          </p:cNvGraphicFramePr>
-          <p:nvPr/>
-        </p:nvGraphicFramePr>
-        <p:xfrm>
-          <a:off x="2394344" y="3276126"/>
-          <a:ext cx="1946275" cy="290513"/>
-        </p:xfrm>
-        <a:graphic>
-          <a:graphicData uri="http://schemas.openxmlformats.org/presentationml/2006/ole">
-            <p:oleObj spid="_x0000_s18435" name="Visio" r:id="rId5" imgW="1945802" imgH="289794" progId="Visio.Drawing.11">
-              <p:link updateAutomatic="1"/>
-            </p:oleObj>
-          </a:graphicData>
-        </a:graphic>
-      </p:graphicFrame>
       <p:grpSp>
         <p:nvGrpSpPr>
           <p:cNvPr id="13" name="12 Grupo"/>
@@ -9683,108 +9629,6 @@
       </p:grpSp>
       <p:pic>
         <p:nvPicPr>
-          <p:cNvPr id="19" name="Picture 3"/>
-          <p:cNvPicPr>
-            <a:picLocks noChangeAspect="1" noChangeArrowheads="1"/>
-          </p:cNvPicPr>
-          <p:nvPr/>
-        </p:nvPicPr>
-        <p:blipFill>
-          <a:blip r:embed="rId6" cstate="print"/>
-          <a:srcRect/>
-          <a:stretch>
-            <a:fillRect/>
-          </a:stretch>
-        </p:blipFill>
-        <p:spPr bwMode="auto">
-          <a:xfrm>
-            <a:off x="2267032" y="3861048"/>
-            <a:ext cx="1314450" cy="1123950"/>
-          </a:xfrm>
-          <a:prstGeom prst="rect">
-            <a:avLst/>
-          </a:prstGeom>
-          <a:noFill/>
-          <a:ln w="28575">
-            <a:solidFill>
-              <a:srgbClr val="FF9900"/>
-            </a:solidFill>
-            <a:miter lim="800000"/>
-            <a:headEnd/>
-            <a:tailEnd/>
-          </a:ln>
-        </p:spPr>
-      </p:pic>
-      <p:pic>
-        <p:nvPicPr>
-          <p:cNvPr id="20" name="Picture 3"/>
-          <p:cNvPicPr>
-            <a:picLocks noChangeAspect="1" noChangeArrowheads="1"/>
-          </p:cNvPicPr>
-          <p:nvPr/>
-        </p:nvPicPr>
-        <p:blipFill>
-          <a:blip r:embed="rId6" cstate="print"/>
-          <a:srcRect/>
-          <a:stretch>
-            <a:fillRect/>
-          </a:stretch>
-        </p:blipFill>
-        <p:spPr bwMode="auto">
-          <a:xfrm>
-            <a:off x="3698024" y="3861048"/>
-            <a:ext cx="1314450" cy="1123950"/>
-          </a:xfrm>
-          <a:prstGeom prst="rect">
-            <a:avLst/>
-          </a:prstGeom>
-          <a:noFill/>
-          <a:ln w="28575">
-            <a:solidFill>
-              <a:srgbClr val="FF9900"/>
-            </a:solidFill>
-            <a:miter lim="800000"/>
-            <a:headEnd/>
-            <a:tailEnd/>
-          </a:ln>
-        </p:spPr>
-      </p:pic>
-      <p:pic>
-        <p:nvPicPr>
-          <p:cNvPr id="21" name="Picture 3"/>
-          <p:cNvPicPr>
-            <a:picLocks noChangeAspect="1" noChangeArrowheads="1"/>
-          </p:cNvPicPr>
-          <p:nvPr/>
-        </p:nvPicPr>
-        <p:blipFill>
-          <a:blip r:embed="rId6" cstate="print"/>
-          <a:srcRect/>
-          <a:stretch>
-            <a:fillRect/>
-          </a:stretch>
-        </p:blipFill>
-        <p:spPr bwMode="auto">
-          <a:xfrm>
-            <a:off x="5131360" y="3861048"/>
-            <a:ext cx="1314450" cy="1123950"/>
-          </a:xfrm>
-          <a:prstGeom prst="rect">
-            <a:avLst/>
-          </a:prstGeom>
-          <a:noFill/>
-          <a:ln w="28575">
-            <a:solidFill>
-              <a:srgbClr val="FF9900"/>
-            </a:solidFill>
-            <a:miter lim="800000"/>
-            <a:headEnd/>
-            <a:tailEnd/>
-          </a:ln>
-        </p:spPr>
-      </p:pic>
-      <p:pic>
-        <p:nvPicPr>
           <p:cNvPr id="23" name="Picture 5"/>
           <p:cNvPicPr>
             <a:picLocks noChangeAspect="1" noChangeArrowheads="1"/>
@@ -9792,7 +9636,7 @@
           <p:nvPr/>
         </p:nvPicPr>
         <p:blipFill>
-          <a:blip r:embed="rId7" cstate="print"/>
+          <a:blip r:embed="rId3" cstate="print"/>
           <a:srcRect/>
           <a:stretch>
             <a:fillRect/>
@@ -9854,29 +9698,8 @@
                   </a:outerShdw>
                 </a:effectLst>
               </a:rPr>
-              <a:t>Punto de vista </a:t>
+              <a:t>Punto de vista despliegue -</a:t>
             </a:r>
-            <a:r>
-              <a:rPr lang="es-CO" sz="2400" i="1" dirty="0" smtClean="0">
-                <a:effectLst>
-                  <a:outerShdw blurRad="38100" dist="38100" dir="2700000" algn="tl">
-                    <a:srgbClr val="000000">
-                      <a:alpha val="43137"/>
-                    </a:srgbClr>
-                  </a:outerShdw>
-                </a:effectLst>
-              </a:rPr>
-              <a:t>despliegue -</a:t>
-            </a:r>
-            <a:endParaRPr lang="es-CO" sz="2400" i="1" dirty="0" smtClean="0">
-              <a:effectLst>
-                <a:outerShdw blurRad="38100" dist="38100" dir="2700000" algn="tl">
-                  <a:srgbClr val="000000">
-                    <a:alpha val="43137"/>
-                  </a:srgbClr>
-                </a:outerShdw>
-              </a:effectLst>
-            </a:endParaRPr>
           </a:p>
         </p:txBody>
       </p:sp>
@@ -9930,6 +9753,242 @@
           </a:p>
         </p:txBody>
       </p:sp>
+      <p:pic>
+        <p:nvPicPr>
+          <p:cNvPr id="17" name="Picture 6"/>
+          <p:cNvPicPr>
+            <a:picLocks noChangeAspect="1" noChangeArrowheads="1"/>
+          </p:cNvPicPr>
+          <p:nvPr/>
+        </p:nvPicPr>
+        <p:blipFill>
+          <a:blip r:embed="rId4" cstate="print"/>
+          <a:srcRect/>
+          <a:stretch>
+            <a:fillRect/>
+          </a:stretch>
+        </p:blipFill>
+        <p:spPr bwMode="auto">
+          <a:xfrm>
+            <a:off x="2123728" y="1412776"/>
+            <a:ext cx="5256584" cy="4232115"/>
+          </a:xfrm>
+          <a:prstGeom prst="rect">
+            <a:avLst/>
+          </a:prstGeom>
+          <a:noFill/>
+          <a:ln w="9525">
+            <a:noFill/>
+            <a:miter lim="800000"/>
+            <a:headEnd/>
+            <a:tailEnd/>
+          </a:ln>
+        </p:spPr>
+      </p:pic>
+      <p:pic>
+        <p:nvPicPr>
+          <p:cNvPr id="18436" name="Picture 4"/>
+          <p:cNvPicPr>
+            <a:picLocks noChangeAspect="1" noChangeArrowheads="1"/>
+          </p:cNvPicPr>
+          <p:nvPr/>
+        </p:nvPicPr>
+        <p:blipFill>
+          <a:blip r:embed="rId5" cstate="print"/>
+          <a:srcRect/>
+          <a:stretch>
+            <a:fillRect/>
+          </a:stretch>
+        </p:blipFill>
+        <p:spPr bwMode="auto">
+          <a:xfrm>
+            <a:off x="2262118" y="2389756"/>
+            <a:ext cx="1085746" cy="542873"/>
+          </a:xfrm>
+          <a:prstGeom prst="rect">
+            <a:avLst/>
+          </a:prstGeom>
+          <a:noFill/>
+          <a:ln w="28575">
+            <a:solidFill>
+              <a:srgbClr val="FF9900"/>
+            </a:solidFill>
+            <a:miter lim="800000"/>
+            <a:headEnd/>
+            <a:tailEnd/>
+          </a:ln>
+        </p:spPr>
+      </p:pic>
+      <p:pic>
+        <p:nvPicPr>
+          <p:cNvPr id="18437" name="Picture 5"/>
+          <p:cNvPicPr>
+            <a:picLocks noChangeAspect="1" noChangeArrowheads="1"/>
+          </p:cNvPicPr>
+          <p:nvPr/>
+        </p:nvPicPr>
+        <p:blipFill>
+          <a:blip r:embed="rId6" cstate="print"/>
+          <a:srcRect/>
+          <a:stretch>
+            <a:fillRect/>
+          </a:stretch>
+        </p:blipFill>
+        <p:spPr bwMode="auto">
+          <a:xfrm>
+            <a:off x="2277270" y="3464081"/>
+            <a:ext cx="936104" cy="800437"/>
+          </a:xfrm>
+          <a:prstGeom prst="rect">
+            <a:avLst/>
+          </a:prstGeom>
+          <a:noFill/>
+          <a:ln w="28575">
+            <a:solidFill>
+              <a:srgbClr val="FF9900"/>
+            </a:solidFill>
+            <a:miter lim="800000"/>
+            <a:headEnd/>
+            <a:tailEnd/>
+          </a:ln>
+        </p:spPr>
+      </p:pic>
+      <p:pic>
+        <p:nvPicPr>
+          <p:cNvPr id="22" name="Picture 5"/>
+          <p:cNvPicPr>
+            <a:picLocks noChangeAspect="1" noChangeArrowheads="1"/>
+          </p:cNvPicPr>
+          <p:nvPr/>
+        </p:nvPicPr>
+        <p:blipFill>
+          <a:blip r:embed="rId6" cstate="print"/>
+          <a:srcRect/>
+          <a:stretch>
+            <a:fillRect/>
+          </a:stretch>
+        </p:blipFill>
+        <p:spPr bwMode="auto">
+          <a:xfrm>
+            <a:off x="3337775" y="3435503"/>
+            <a:ext cx="936104" cy="800437"/>
+          </a:xfrm>
+          <a:prstGeom prst="rect">
+            <a:avLst/>
+          </a:prstGeom>
+          <a:noFill/>
+          <a:ln w="28575">
+            <a:solidFill>
+              <a:srgbClr val="FF9900"/>
+            </a:solidFill>
+            <a:miter lim="800000"/>
+            <a:headEnd/>
+            <a:tailEnd/>
+          </a:ln>
+        </p:spPr>
+      </p:pic>
+      <p:pic>
+        <p:nvPicPr>
+          <p:cNvPr id="25" name="Picture 5"/>
+          <p:cNvPicPr>
+            <a:picLocks noChangeAspect="1" noChangeArrowheads="1"/>
+          </p:cNvPicPr>
+          <p:nvPr/>
+        </p:nvPicPr>
+        <p:blipFill>
+          <a:blip r:embed="rId6" cstate="print"/>
+          <a:srcRect/>
+          <a:stretch>
+            <a:fillRect/>
+          </a:stretch>
+        </p:blipFill>
+        <p:spPr bwMode="auto">
+          <a:xfrm>
+            <a:off x="4423221" y="3414711"/>
+            <a:ext cx="936104" cy="800437"/>
+          </a:xfrm>
+          <a:prstGeom prst="rect">
+            <a:avLst/>
+          </a:prstGeom>
+          <a:noFill/>
+          <a:ln w="28575">
+            <a:solidFill>
+              <a:srgbClr val="FF9900"/>
+            </a:solidFill>
+            <a:miter lim="800000"/>
+            <a:headEnd/>
+            <a:tailEnd/>
+          </a:ln>
+        </p:spPr>
+      </p:pic>
+      <p:pic>
+        <p:nvPicPr>
+          <p:cNvPr id="18441" name="Picture 9"/>
+          <p:cNvPicPr>
+            <a:picLocks noChangeAspect="1" noChangeArrowheads="1"/>
+          </p:cNvPicPr>
+          <p:nvPr/>
+        </p:nvPicPr>
+        <p:blipFill>
+          <a:blip r:embed="rId7" cstate="print"/>
+          <a:srcRect/>
+          <a:stretch>
+            <a:fillRect/>
+          </a:stretch>
+        </p:blipFill>
+        <p:spPr bwMode="auto">
+          <a:xfrm>
+            <a:off x="2113848" y="4694080"/>
+            <a:ext cx="3592864" cy="925817"/>
+          </a:xfrm>
+          <a:prstGeom prst="rect">
+            <a:avLst/>
+          </a:prstGeom>
+          <a:noFill/>
+          <a:ln w="28575">
+            <a:solidFill>
+              <a:srgbClr val="FF9900"/>
+            </a:solidFill>
+            <a:miter lim="800000"/>
+            <a:headEnd/>
+            <a:tailEnd/>
+          </a:ln>
+        </p:spPr>
+      </p:pic>
+      <p:pic>
+        <p:nvPicPr>
+          <p:cNvPr id="27" name="Picture 7"/>
+          <p:cNvPicPr>
+            <a:picLocks noChangeAspect="1" noChangeArrowheads="1"/>
+          </p:cNvPicPr>
+          <p:nvPr/>
+        </p:nvPicPr>
+        <p:blipFill>
+          <a:blip r:embed="rId8" cstate="print"/>
+          <a:srcRect/>
+          <a:stretch>
+            <a:fillRect/>
+          </a:stretch>
+        </p:blipFill>
+        <p:spPr bwMode="auto">
+          <a:xfrm>
+            <a:off x="4572000" y="4941168"/>
+            <a:ext cx="834725" cy="551644"/>
+          </a:xfrm>
+          <a:prstGeom prst="rect">
+            <a:avLst/>
+          </a:prstGeom>
+          <a:noFill/>
+          <a:ln w="28575">
+            <a:solidFill>
+              <a:srgbClr val="FF9900"/>
+            </a:solidFill>
+            <a:miter lim="800000"/>
+            <a:headEnd/>
+            <a:tailEnd/>
+          </a:ln>
+        </p:spPr>
+      </p:pic>
     </p:spTree>
   </p:cSld>
   <p:clrMapOvr>
@@ -10619,28 +10678,16 @@
             </a:pPr>
             <a:r>
               <a:rPr lang="es-CO" sz="2000" b="1" i="1" dirty="0" smtClean="0"/>
-              <a:t>Estrategia </a:t>
+              <a:t>Estrategia arquitectural</a:t>
             </a:r>
+          </a:p>
+          <a:p>
+            <a:endParaRPr lang="es-CO" sz="2000" b="1" i="1" dirty="0" smtClean="0"/>
+          </a:p>
+          <a:p>
             <a:r>
               <a:rPr lang="es-CO" sz="2000" b="1" i="1" dirty="0" smtClean="0"/>
-              <a:t>arquitectural</a:t>
-            </a:r>
-          </a:p>
-          <a:p>
-            <a:endParaRPr lang="es-CO" sz="2000" b="1" i="1" dirty="0" smtClean="0"/>
-          </a:p>
-          <a:p>
-            <a:r>
-              <a:rPr lang="es-CO" sz="2000" b="1" i="1" dirty="0" smtClean="0"/>
-              <a:t>Punto </a:t>
-            </a:r>
-            <a:r>
-              <a:rPr lang="es-CO" sz="2000" b="1" i="1" dirty="0" smtClean="0"/>
-              <a:t>de vista </a:t>
-            </a:r>
-            <a:r>
-              <a:rPr lang="es-CO" sz="2000" b="1" i="1" dirty="0" smtClean="0"/>
-              <a:t>funcional</a:t>
+              <a:t>Punto de vista funcional</a:t>
             </a:r>
           </a:p>
           <a:p>
@@ -11488,29 +11535,8 @@
                   </a:outerShdw>
                 </a:effectLst>
               </a:rPr>
-              <a:t>Punto de vista </a:t>
+              <a:t>Punto de vista desempeño -</a:t>
             </a:r>
-            <a:r>
-              <a:rPr lang="es-CO" sz="2400" i="1" dirty="0" smtClean="0">
-                <a:effectLst>
-                  <a:outerShdw blurRad="38100" dist="38100" dir="2700000" algn="tl">
-                    <a:srgbClr val="000000">
-                      <a:alpha val="43137"/>
-                    </a:srgbClr>
-                  </a:outerShdw>
-                </a:effectLst>
-              </a:rPr>
-              <a:t>desempeño -</a:t>
-            </a:r>
-            <a:endParaRPr lang="es-CO" sz="2400" i="1" dirty="0" smtClean="0">
-              <a:effectLst>
-                <a:outerShdw blurRad="38100" dist="38100" dir="2700000" algn="tl">
-                  <a:srgbClr val="000000">
-                    <a:alpha val="43137"/>
-                  </a:srgbClr>
-                </a:outerShdw>
-              </a:effectLst>
-            </a:endParaRPr>
           </a:p>
         </p:txBody>
       </p:sp>
@@ -11598,19 +11624,7 @@
                   </a:outerShdw>
                 </a:effectLst>
               </a:rPr>
-              <a:t>Modelo </a:t>
-            </a:r>
-            <a:r>
-              <a:rPr lang="es-CO" b="1" i="1" dirty="0" smtClean="0">
-                <a:effectLst>
-                  <a:outerShdw blurRad="38100" dist="38100" dir="2700000" algn="tl">
-                    <a:srgbClr val="000000">
-                      <a:alpha val="43137"/>
-                    </a:srgbClr>
-                  </a:outerShdw>
-                </a:effectLst>
-              </a:rPr>
-              <a:t>componentes</a:t>
+              <a:t>Modelo componentes</a:t>
             </a:r>
             <a:endParaRPr lang="es-CO" b="1" dirty="0"/>
           </a:p>
@@ -12206,29 +12220,8 @@
                   </a:outerShdw>
                 </a:effectLst>
               </a:rPr>
-              <a:t>Punto de vista </a:t>
+              <a:t>Punto de vista desempeño -</a:t>
             </a:r>
-            <a:r>
-              <a:rPr lang="es-CO" sz="2400" i="1" dirty="0" smtClean="0">
-                <a:effectLst>
-                  <a:outerShdw blurRad="38100" dist="38100" dir="2700000" algn="tl">
-                    <a:srgbClr val="000000">
-                      <a:alpha val="43137"/>
-                    </a:srgbClr>
-                  </a:outerShdw>
-                </a:effectLst>
-              </a:rPr>
-              <a:t>desempeño -</a:t>
-            </a:r>
-            <a:endParaRPr lang="es-CO" sz="2400" i="1" dirty="0" smtClean="0">
-              <a:effectLst>
-                <a:outerShdw blurRad="38100" dist="38100" dir="2700000" algn="tl">
-                  <a:srgbClr val="000000">
-                    <a:alpha val="43137"/>
-                  </a:srgbClr>
-                </a:outerShdw>
-              </a:effectLst>
-            </a:endParaRPr>
           </a:p>
         </p:txBody>
       </p:sp>
@@ -12264,19 +12257,7 @@
                   </a:outerShdw>
                 </a:effectLst>
               </a:rPr>
-              <a:t>Modelo </a:t>
-            </a:r>
-            <a:r>
-              <a:rPr lang="es-CO" b="1" i="1" dirty="0" smtClean="0">
-                <a:effectLst>
-                  <a:outerShdw blurRad="38100" dist="38100" dir="2700000" algn="tl">
-                    <a:srgbClr val="000000">
-                      <a:alpha val="43137"/>
-                    </a:srgbClr>
-                  </a:outerShdw>
-                </a:effectLst>
-              </a:rPr>
-              <a:t>componentes</a:t>
+              <a:t>Modelo componentes</a:t>
             </a:r>
             <a:endParaRPr lang="es-CO" b="1" dirty="0"/>
           </a:p>
@@ -12731,29 +12712,8 @@
                   </a:outerShdw>
                 </a:effectLst>
               </a:rPr>
-              <a:t>Punto de vista </a:t>
+              <a:t>Punto de vista desempeño -</a:t>
             </a:r>
-            <a:r>
-              <a:rPr lang="es-CO" sz="2400" i="1" dirty="0" smtClean="0">
-                <a:effectLst>
-                  <a:outerShdw blurRad="38100" dist="38100" dir="2700000" algn="tl">
-                    <a:srgbClr val="000000">
-                      <a:alpha val="43137"/>
-                    </a:srgbClr>
-                  </a:outerShdw>
-                </a:effectLst>
-              </a:rPr>
-              <a:t>desempeño -</a:t>
-            </a:r>
-            <a:endParaRPr lang="es-CO" sz="2400" i="1" dirty="0" smtClean="0">
-              <a:effectLst>
-                <a:outerShdw blurRad="38100" dist="38100" dir="2700000" algn="tl">
-                  <a:srgbClr val="000000">
-                    <a:alpha val="43137"/>
-                  </a:srgbClr>
-                </a:outerShdw>
-              </a:effectLst>
-            </a:endParaRPr>
           </a:p>
         </p:txBody>
       </p:sp>
@@ -12789,19 +12749,7 @@
                   </a:outerShdw>
                 </a:effectLst>
               </a:rPr>
-              <a:t>Modelo </a:t>
-            </a:r>
-            <a:r>
-              <a:rPr lang="es-CO" b="1" i="1" dirty="0" smtClean="0">
-                <a:effectLst>
-                  <a:outerShdw blurRad="38100" dist="38100" dir="2700000" algn="tl">
-                    <a:srgbClr val="000000">
-                      <a:alpha val="43137"/>
-                    </a:srgbClr>
-                  </a:outerShdw>
-                </a:effectLst>
-              </a:rPr>
-              <a:t>componentes</a:t>
+              <a:t>Modelo componentes</a:t>
             </a:r>
             <a:endParaRPr lang="es-CO" b="1" dirty="0"/>
           </a:p>
@@ -12934,29 +12882,8 @@
                   </a:outerShdw>
                 </a:effectLst>
               </a:rPr>
-              <a:t>Punto de vista </a:t>
+              <a:t>Punto de vista desempeño -</a:t>
             </a:r>
-            <a:r>
-              <a:rPr lang="es-CO" sz="2400" i="1" dirty="0" smtClean="0">
-                <a:effectLst>
-                  <a:outerShdw blurRad="38100" dist="38100" dir="2700000" algn="tl">
-                    <a:srgbClr val="000000">
-                      <a:alpha val="43137"/>
-                    </a:srgbClr>
-                  </a:outerShdw>
-                </a:effectLst>
-              </a:rPr>
-              <a:t>desempeño -</a:t>
-            </a:r>
-            <a:endParaRPr lang="es-CO" sz="2400" i="1" dirty="0" smtClean="0">
-              <a:effectLst>
-                <a:outerShdw blurRad="38100" dist="38100" dir="2700000" algn="tl">
-                  <a:srgbClr val="000000">
-                    <a:alpha val="43137"/>
-                  </a:srgbClr>
-                </a:outerShdw>
-              </a:effectLst>
-            </a:endParaRPr>
           </a:p>
         </p:txBody>
       </p:sp>
@@ -13380,19 +13307,7 @@
                   </a:outerShdw>
                 </a:effectLst>
               </a:rPr>
-              <a:t>Modelo </a:t>
-            </a:r>
-            <a:r>
-              <a:rPr lang="es-CO" b="1" i="1" dirty="0" smtClean="0">
-                <a:effectLst>
-                  <a:outerShdw blurRad="38100" dist="38100" dir="2700000" algn="tl">
-                    <a:srgbClr val="000000">
-                      <a:alpha val="43137"/>
-                    </a:srgbClr>
-                  </a:outerShdw>
-                </a:effectLst>
-              </a:rPr>
-              <a:t>componentes</a:t>
+              <a:t>Modelo componentes</a:t>
             </a:r>
             <a:endParaRPr lang="es-CO" b="1" dirty="0"/>
           </a:p>
@@ -13596,64 +13511,11 @@
                   </a:outerShdw>
                 </a:effectLst>
               </a:rPr>
-              <a:t>Punto de vista </a:t>
+              <a:t>Punto de vista despliegue -</a:t>
             </a:r>
-            <a:r>
-              <a:rPr lang="es-CO" sz="2400" i="1" dirty="0" smtClean="0">
-                <a:effectLst>
-                  <a:outerShdw blurRad="38100" dist="38100" dir="2700000" algn="tl">
-                    <a:srgbClr val="000000">
-                      <a:alpha val="43137"/>
-                    </a:srgbClr>
-                  </a:outerShdw>
-                </a:effectLst>
-              </a:rPr>
-              <a:t>despliegue -</a:t>
-            </a:r>
-            <a:endParaRPr lang="es-CO" sz="2400" i="1" dirty="0" smtClean="0">
-              <a:effectLst>
-                <a:outerShdw blurRad="38100" dist="38100" dir="2700000" algn="tl">
-                  <a:srgbClr val="000000">
-                    <a:alpha val="43137"/>
-                  </a:srgbClr>
-                </a:outerShdw>
-              </a:effectLst>
-            </a:endParaRPr>
           </a:p>
         </p:txBody>
       </p:sp>
-      <p:pic>
-        <p:nvPicPr>
-          <p:cNvPr id="15363" name="Picture 3"/>
-          <p:cNvPicPr>
-            <a:picLocks noChangeAspect="1" noChangeArrowheads="1"/>
-          </p:cNvPicPr>
-          <p:nvPr/>
-        </p:nvPicPr>
-        <p:blipFill>
-          <a:blip r:embed="rId3" cstate="print"/>
-          <a:srcRect/>
-          <a:stretch>
-            <a:fillRect/>
-          </a:stretch>
-        </p:blipFill>
-        <p:spPr bwMode="auto">
-          <a:xfrm>
-            <a:off x="1985963" y="1628800"/>
-            <a:ext cx="5172075" cy="3552825"/>
-          </a:xfrm>
-          <a:prstGeom prst="rect">
-            <a:avLst/>
-          </a:prstGeom>
-          <a:noFill/>
-          <a:ln w="9525">
-            <a:noFill/>
-            <a:miter lim="800000"/>
-            <a:headEnd/>
-            <a:tailEnd/>
-          </a:ln>
-        </p:spPr>
-      </p:pic>
       <p:pic>
         <p:nvPicPr>
           <p:cNvPr id="15365" name="Picture 5"/>
@@ -13663,7 +13525,7 @@
           <p:nvPr/>
         </p:nvPicPr>
         <p:blipFill>
-          <a:blip r:embed="rId4" cstate="print"/>
+          <a:blip r:embed="rId3" cstate="print"/>
           <a:srcRect/>
           <a:stretch>
             <a:fillRect/>
@@ -13736,6 +13598,38 @@
           </a:p>
         </p:txBody>
       </p:sp>
+      <p:pic>
+        <p:nvPicPr>
+          <p:cNvPr id="37894" name="Picture 6"/>
+          <p:cNvPicPr>
+            <a:picLocks noChangeAspect="1" noChangeArrowheads="1"/>
+          </p:cNvPicPr>
+          <p:nvPr/>
+        </p:nvPicPr>
+        <p:blipFill>
+          <a:blip r:embed="rId4" cstate="print"/>
+          <a:srcRect/>
+          <a:stretch>
+            <a:fillRect/>
+          </a:stretch>
+        </p:blipFill>
+        <p:spPr bwMode="auto">
+          <a:xfrm>
+            <a:off x="2123728" y="1412776"/>
+            <a:ext cx="5256584" cy="4232115"/>
+          </a:xfrm>
+          <a:prstGeom prst="rect">
+            <a:avLst/>
+          </a:prstGeom>
+          <a:noFill/>
+          <a:ln w="9525">
+            <a:noFill/>
+            <a:miter lim="800000"/>
+            <a:headEnd/>
+            <a:tailEnd/>
+          </a:ln>
+        </p:spPr>
+      </p:pic>
     </p:spTree>
   </p:cSld>
   <p:clrMapOvr>
@@ -13895,38 +13789,6 @@
           </a:p>
         </p:txBody>
       </p:sp>
-      <p:pic>
-        <p:nvPicPr>
-          <p:cNvPr id="15363" name="Picture 3"/>
-          <p:cNvPicPr>
-            <a:picLocks noChangeAspect="1" noChangeArrowheads="1"/>
-          </p:cNvPicPr>
-          <p:nvPr/>
-        </p:nvPicPr>
-        <p:blipFill>
-          <a:blip r:embed="rId4" cstate="print"/>
-          <a:srcRect/>
-          <a:stretch>
-            <a:fillRect/>
-          </a:stretch>
-        </p:blipFill>
-        <p:spPr bwMode="auto">
-          <a:xfrm>
-            <a:off x="1985963" y="1628800"/>
-            <a:ext cx="5172075" cy="3552825"/>
-          </a:xfrm>
-          <a:prstGeom prst="rect">
-            <a:avLst/>
-          </a:prstGeom>
-          <a:noFill/>
-          <a:ln w="9525">
-            <a:noFill/>
-            <a:miter lim="800000"/>
-            <a:headEnd/>
-            <a:tailEnd/>
-          </a:ln>
-        </p:spPr>
-      </p:pic>
       <p:grpSp>
         <p:nvGrpSpPr>
           <p:cNvPr id="8" name="7 Grupo"/>
@@ -14037,7 +13899,7 @@
           <p:nvPr/>
         </p:nvPicPr>
         <p:blipFill>
-          <a:blip r:embed="rId5" cstate="print"/>
+          <a:blip r:embed="rId4" cstate="print"/>
           <a:srcRect/>
           <a:stretch>
             <a:fillRect/>
@@ -14060,66 +13922,6 @@
           </a:ln>
         </p:spPr>
       </p:pic>
-      <p:graphicFrame>
-        <p:nvGraphicFramePr>
-          <p:cNvPr id="16388" name="Object 4"/>
-          <p:cNvGraphicFramePr>
-            <a:graphicFrameLocks noChangeAspect="1"/>
-          </p:cNvGraphicFramePr>
-          <p:nvPr/>
-        </p:nvGraphicFramePr>
-        <p:xfrm>
-          <a:off x="2346102" y="4581128"/>
-          <a:ext cx="1046163" cy="290513"/>
-        </p:xfrm>
-        <a:graphic>
-          <a:graphicData uri="http://schemas.openxmlformats.org/presentationml/2006/ole">
-            <p:oleObj spid="_x0000_s16388" name="Visio" r:id="rId6" imgW="1045723" imgH="289794" progId="Visio.Drawing.11">
-              <p:link updateAutomatic="1"/>
-            </p:oleObj>
-          </a:graphicData>
-        </a:graphic>
-      </p:graphicFrame>
-      <p:graphicFrame>
-        <p:nvGraphicFramePr>
-          <p:cNvPr id="16389" name="Object 5"/>
-          <p:cNvGraphicFramePr>
-            <a:graphicFrameLocks noChangeAspect="1"/>
-          </p:cNvGraphicFramePr>
-          <p:nvPr/>
-        </p:nvGraphicFramePr>
-        <p:xfrm>
-          <a:off x="3779912" y="4581128"/>
-          <a:ext cx="1046163" cy="290513"/>
-        </p:xfrm>
-        <a:graphic>
-          <a:graphicData uri="http://schemas.openxmlformats.org/presentationml/2006/ole">
-            <p:oleObj spid="_x0000_s16389" name="Visio" r:id="rId6" imgW="1045723" imgH="289794" progId="Visio.Drawing.11">
-              <p:link updateAutomatic="1"/>
-            </p:oleObj>
-          </a:graphicData>
-        </a:graphic>
-      </p:graphicFrame>
-      <p:graphicFrame>
-        <p:nvGraphicFramePr>
-          <p:cNvPr id="16390" name="Object 6"/>
-          <p:cNvGraphicFramePr>
-            <a:graphicFrameLocks noChangeAspect="1"/>
-          </p:cNvGraphicFramePr>
-          <p:nvPr/>
-        </p:nvGraphicFramePr>
-        <p:xfrm>
-          <a:off x="5173513" y="4581128"/>
-          <a:ext cx="1046163" cy="290513"/>
-        </p:xfrm>
-        <a:graphic>
-          <a:graphicData uri="http://schemas.openxmlformats.org/presentationml/2006/ole">
-            <p:oleObj spid="_x0000_s16390" name="Visio" r:id="rId6" imgW="1045723" imgH="289794" progId="Visio.Drawing.11">
-              <p:link updateAutomatic="1"/>
-            </p:oleObj>
-          </a:graphicData>
-        </a:graphic>
-      </p:graphicFrame>
       <p:sp>
         <p:nvSpPr>
           <p:cNvPr id="19" name="8 Título"/>
@@ -14159,29 +13961,8 @@
                   </a:outerShdw>
                 </a:effectLst>
               </a:rPr>
-              <a:t>Punto de vista </a:t>
+              <a:t>Punto de vista despliegue -</a:t>
             </a:r>
-            <a:r>
-              <a:rPr lang="es-CO" sz="2400" i="1" dirty="0" smtClean="0">
-                <a:effectLst>
-                  <a:outerShdw blurRad="38100" dist="38100" dir="2700000" algn="tl">
-                    <a:srgbClr val="000000">
-                      <a:alpha val="43137"/>
-                    </a:srgbClr>
-                  </a:outerShdw>
-                </a:effectLst>
-              </a:rPr>
-              <a:t>despliegue -</a:t>
-            </a:r>
-            <a:endParaRPr lang="es-CO" sz="2400" i="1" dirty="0" smtClean="0">
-              <a:effectLst>
-                <a:outerShdw blurRad="38100" dist="38100" dir="2700000" algn="tl">
-                  <a:srgbClr val="000000">
-                    <a:alpha val="43137"/>
-                  </a:srgbClr>
-                </a:outerShdw>
-              </a:effectLst>
-            </a:endParaRPr>
           </a:p>
         </p:txBody>
       </p:sp>
@@ -14235,6 +14016,98 @@
           </a:p>
         </p:txBody>
       </p:sp>
+      <p:pic>
+        <p:nvPicPr>
+          <p:cNvPr id="17" name="Picture 6"/>
+          <p:cNvPicPr>
+            <a:picLocks noChangeAspect="1" noChangeArrowheads="1"/>
+          </p:cNvPicPr>
+          <p:nvPr/>
+        </p:nvPicPr>
+        <p:blipFill>
+          <a:blip r:embed="rId5" cstate="print"/>
+          <a:srcRect/>
+          <a:stretch>
+            <a:fillRect/>
+          </a:stretch>
+        </p:blipFill>
+        <p:spPr bwMode="auto">
+          <a:xfrm>
+            <a:off x="2123728" y="1412776"/>
+            <a:ext cx="5256584" cy="4232115"/>
+          </a:xfrm>
+          <a:prstGeom prst="rect">
+            <a:avLst/>
+          </a:prstGeom>
+          <a:noFill/>
+          <a:ln w="9525">
+            <a:noFill/>
+            <a:miter lim="800000"/>
+            <a:headEnd/>
+            <a:tailEnd/>
+          </a:ln>
+        </p:spPr>
+      </p:pic>
+      <p:graphicFrame>
+        <p:nvGraphicFramePr>
+          <p:cNvPr id="16392" name="Object 8"/>
+          <p:cNvGraphicFramePr>
+            <a:graphicFrameLocks noChangeAspect="1"/>
+          </p:cNvGraphicFramePr>
+          <p:nvPr/>
+        </p:nvGraphicFramePr>
+        <p:xfrm>
+          <a:off x="3383492" y="3950870"/>
+          <a:ext cx="777875" cy="215900"/>
+        </p:xfrm>
+        <a:graphic>
+          <a:graphicData uri="http://schemas.openxmlformats.org/presentationml/2006/ole">
+            <p:oleObj spid="_x0000_s16392" name="Visio" r:id="rId6" imgW="1045723" imgH="289794" progId="Visio.Drawing.11">
+              <p:link updateAutomatic="1"/>
+            </p:oleObj>
+          </a:graphicData>
+        </a:graphic>
+      </p:graphicFrame>
+      <p:graphicFrame>
+        <p:nvGraphicFramePr>
+          <p:cNvPr id="16393" name="Object 9"/>
+          <p:cNvGraphicFramePr>
+            <a:graphicFrameLocks noChangeAspect="1"/>
+          </p:cNvGraphicFramePr>
+          <p:nvPr/>
+        </p:nvGraphicFramePr>
+        <p:xfrm>
+          <a:off x="4442197" y="3933180"/>
+          <a:ext cx="777875" cy="215900"/>
+        </p:xfrm>
+        <a:graphic>
+          <a:graphicData uri="http://schemas.openxmlformats.org/presentationml/2006/ole">
+            <p:oleObj spid="_x0000_s16393" name="Visio" r:id="rId6" imgW="1045723" imgH="289794" progId="Visio.Drawing.11">
+              <p:link updateAutomatic="1"/>
+            </p:oleObj>
+          </a:graphicData>
+        </a:graphic>
+      </p:graphicFrame>
+      <p:graphicFrame>
+        <p:nvGraphicFramePr>
+          <p:cNvPr id="16394" name="Object 10"/>
+          <p:cNvGraphicFramePr>
+            <a:graphicFrameLocks noChangeAspect="1"/>
+          </p:cNvGraphicFramePr>
+          <p:nvPr/>
+        </p:nvGraphicFramePr>
+        <p:xfrm>
+          <a:off x="2322500" y="3950308"/>
+          <a:ext cx="777875" cy="215900"/>
+        </p:xfrm>
+        <a:graphic>
+          <a:graphicData uri="http://schemas.openxmlformats.org/presentationml/2006/ole">
+            <p:oleObj spid="_x0000_s16394" name="Visio" r:id="rId6" imgW="1045723" imgH="289794" progId="Visio.Drawing.11">
+              <p:link updateAutomatic="1"/>
+            </p:oleObj>
+          </a:graphicData>
+        </a:graphic>
+      </p:graphicFrame>
     </p:spTree>
   </p:cSld>
   <p:clrMapOvr>

--- a/CSOF5204 Arquitectura de Software/0609SegundaEntregaSAD.pptx
+++ b/CSOF5204 Arquitectura de Software/0609SegundaEntregaSAD.pptx
@@ -1587,6 +1587,128 @@
         </a:p>
       </dgm:t>
     </dgm:pt>
+    <dgm:pt modelId="{35D15E40-F3CD-4FBF-959C-7AB0452B4262}">
+      <dgm:prSet phldrT="[Texto]">
+        <dgm:style>
+          <a:lnRef idx="1">
+            <a:schemeClr val="accent6"/>
+          </a:lnRef>
+          <a:fillRef idx="3">
+            <a:schemeClr val="accent6"/>
+          </a:fillRef>
+          <a:effectRef idx="2">
+            <a:schemeClr val="accent6"/>
+          </a:effectRef>
+          <a:fontRef idx="minor">
+            <a:schemeClr val="lt1"/>
+          </a:fontRef>
+        </dgm:style>
+      </dgm:prSet>
+      <dgm:spPr/>
+      <dgm:t>
+        <a:bodyPr/>
+        <a:lstStyle/>
+        <a:p>
+          <a:r>
+            <a:rPr lang="en-US" dirty="0" err="1" smtClean="0">
+              <a:solidFill>
+                <a:schemeClr val="bg1"/>
+              </a:solidFill>
+            </a:rPr>
+            <a:t>Manejo</a:t>
+          </a:r>
+          <a:r>
+            <a:rPr lang="en-US" dirty="0" smtClean="0">
+              <a:solidFill>
+                <a:schemeClr val="bg1"/>
+              </a:solidFill>
+            </a:rPr>
+            <a:t> de </a:t>
+          </a:r>
+          <a:r>
+            <a:rPr lang="en-US" dirty="0" err="1" smtClean="0">
+              <a:solidFill>
+                <a:schemeClr val="bg1"/>
+              </a:solidFill>
+            </a:rPr>
+            <a:t>datos</a:t>
+          </a:r>
+          <a:endParaRPr lang="es-CO" dirty="0">
+            <a:solidFill>
+              <a:schemeClr val="bg1"/>
+            </a:solidFill>
+          </a:endParaRPr>
+        </a:p>
+      </dgm:t>
+    </dgm:pt>
+    <dgm:pt modelId="{65EBB0F8-FCF9-40CC-8389-6C29D9C92795}" type="parTrans" cxnId="{8D5518E0-97DD-4254-9FD8-AB86A81B19A7}">
+      <dgm:prSet/>
+      <dgm:spPr/>
+      <dgm:t>
+        <a:bodyPr/>
+        <a:lstStyle/>
+        <a:p>
+          <a:endParaRPr lang="es-CO"/>
+        </a:p>
+      </dgm:t>
+    </dgm:pt>
+    <dgm:pt modelId="{DBE65F28-6932-4AE0-8A7C-15E823B32BE4}" type="sibTrans" cxnId="{8D5518E0-97DD-4254-9FD8-AB86A81B19A7}">
+      <dgm:prSet/>
+      <dgm:spPr/>
+      <dgm:t>
+        <a:bodyPr/>
+        <a:lstStyle/>
+        <a:p>
+          <a:endParaRPr lang="es-CO"/>
+        </a:p>
+      </dgm:t>
+    </dgm:pt>
+    <dgm:pt modelId="{050327C0-B45A-416B-BED3-C26080EDB228}">
+      <dgm:prSet phldrT="[Texto]">
+        <dgm:style>
+          <a:lnRef idx="1">
+            <a:schemeClr val="accent5"/>
+          </a:lnRef>
+          <a:fillRef idx="3">
+            <a:schemeClr val="accent5"/>
+          </a:fillRef>
+          <a:effectRef idx="2">
+            <a:schemeClr val="accent5"/>
+          </a:effectRef>
+          <a:fontRef idx="minor">
+            <a:schemeClr val="lt1"/>
+          </a:fontRef>
+        </dgm:style>
+      </dgm:prSet>
+      <dgm:spPr/>
+      <dgm:t>
+        <a:bodyPr/>
+        <a:lstStyle/>
+        <a:p>
+          <a:r>
+            <a:rPr lang="es-CO" b="0" dirty="0" smtClean="0">
+              <a:solidFill>
+                <a:schemeClr val="bg1"/>
+              </a:solidFill>
+            </a:rPr>
+            <a:t>Auditoría</a:t>
+          </a:r>
+          <a:endParaRPr lang="es-CO" b="0" dirty="0">
+            <a:solidFill>
+              <a:schemeClr val="bg1"/>
+            </a:solidFill>
+          </a:endParaRPr>
+        </a:p>
+      </dgm:t>
+    </dgm:pt>
+    <dgm:pt modelId="{964E1597-A48E-42A6-BA39-CF621AC13E93}" type="parTrans" cxnId="{41CAFE96-9CFE-4BD5-A06C-E8473A908447}">
+      <dgm:prSet/>
+      <dgm:spPr/>
+    </dgm:pt>
+    <dgm:pt modelId="{207B2EDB-1FF2-4382-B2FB-1C25D05422A3}" type="sibTrans" cxnId="{41CAFE96-9CFE-4BD5-A06C-E8473A908447}">
+      <dgm:prSet/>
+      <dgm:spPr/>
+    </dgm:pt>
     <dgm:pt modelId="{8F6C587E-DDC4-4A0C-9F76-6A640CC9CF00}" type="pres">
       <dgm:prSet presAssocID="{8E36995D-E040-4272-874A-EA13EF8E54E0}" presName="diagram" presStyleCnt="0">
         <dgm:presLayoutVars>
@@ -1641,7 +1763,7 @@
       <dgm:spPr/>
     </dgm:pt>
     <dgm:pt modelId="{21548377-70DA-4575-A341-B56A0C95C0C9}" type="pres">
-      <dgm:prSet presAssocID="{42AB4FCE-EC18-4BBA-8DDB-A374F4974D59}" presName="Name13" presStyleLbl="parChTrans1D2" presStyleIdx="0" presStyleCnt="9"/>
+      <dgm:prSet presAssocID="{42AB4FCE-EC18-4BBA-8DDB-A374F4974D59}" presName="Name13" presStyleLbl="parChTrans1D2" presStyleIdx="0" presStyleCnt="11"/>
       <dgm:spPr/>
       <dgm:t>
         <a:bodyPr/>
@@ -1652,7 +1774,7 @@
       </dgm:t>
     </dgm:pt>
     <dgm:pt modelId="{83C4058D-AACF-4F02-A157-8F9993CB6949}" type="pres">
-      <dgm:prSet presAssocID="{04F0E6D6-4207-4680-B3B4-D7B4D84FAE76}" presName="childText" presStyleLbl="bgAcc1" presStyleIdx="0" presStyleCnt="9">
+      <dgm:prSet presAssocID="{04F0E6D6-4207-4680-B3B4-D7B4D84FAE76}" presName="childText" presStyleLbl="bgAcc1" presStyleIdx="0" presStyleCnt="11">
         <dgm:presLayoutVars>
           <dgm:bulletEnabled val="1"/>
         </dgm:presLayoutVars>
@@ -1667,7 +1789,7 @@
       </dgm:t>
     </dgm:pt>
     <dgm:pt modelId="{89BE0187-E411-4336-AAB6-E19793FAD7F0}" type="pres">
-      <dgm:prSet presAssocID="{CE004118-614A-48B0-9C6B-0B9CD7EB9AE5}" presName="Name13" presStyleLbl="parChTrans1D2" presStyleIdx="1" presStyleCnt="9"/>
+      <dgm:prSet presAssocID="{CE004118-614A-48B0-9C6B-0B9CD7EB9AE5}" presName="Name13" presStyleLbl="parChTrans1D2" presStyleIdx="1" presStyleCnt="11"/>
       <dgm:spPr/>
       <dgm:t>
         <a:bodyPr/>
@@ -1678,7 +1800,7 @@
       </dgm:t>
     </dgm:pt>
     <dgm:pt modelId="{482B2676-764C-4D82-8E15-1636D2B3032A}" type="pres">
-      <dgm:prSet presAssocID="{F373F8EC-0147-411F-B267-E59FF7110209}" presName="childText" presStyleLbl="bgAcc1" presStyleIdx="1" presStyleCnt="9">
+      <dgm:prSet presAssocID="{F373F8EC-0147-411F-B267-E59FF7110209}" presName="childText" presStyleLbl="bgAcc1" presStyleIdx="1" presStyleCnt="11">
         <dgm:presLayoutVars>
           <dgm:bulletEnabled val="1"/>
         </dgm:presLayoutVars>
@@ -1727,7 +1849,7 @@
       <dgm:spPr/>
     </dgm:pt>
     <dgm:pt modelId="{3B2D107F-998A-49ED-8987-B713F4333FBB}" type="pres">
-      <dgm:prSet presAssocID="{2AF7E51A-39B6-4271-8959-C07F8FC068D0}" presName="Name13" presStyleLbl="parChTrans1D2" presStyleIdx="2" presStyleCnt="9"/>
+      <dgm:prSet presAssocID="{2AF7E51A-39B6-4271-8959-C07F8FC068D0}" presName="Name13" presStyleLbl="parChTrans1D2" presStyleIdx="2" presStyleCnt="11"/>
       <dgm:spPr/>
       <dgm:t>
         <a:bodyPr/>
@@ -1738,7 +1860,7 @@
       </dgm:t>
     </dgm:pt>
     <dgm:pt modelId="{9355BA53-A72C-44AC-B665-0AC4C7931B2A}" type="pres">
-      <dgm:prSet presAssocID="{9FD407EE-68A3-4B3E-A719-57375680F872}" presName="childText" presStyleLbl="bgAcc1" presStyleIdx="2" presStyleCnt="9">
+      <dgm:prSet presAssocID="{9FD407EE-68A3-4B3E-A719-57375680F872}" presName="childText" presStyleLbl="bgAcc1" presStyleIdx="2" presStyleCnt="11">
         <dgm:presLayoutVars>
           <dgm:bulletEnabled val="1"/>
         </dgm:presLayoutVars>
@@ -1753,7 +1875,7 @@
       </dgm:t>
     </dgm:pt>
     <dgm:pt modelId="{8726E48D-D2BD-42E8-A23A-54A0D1634165}" type="pres">
-      <dgm:prSet presAssocID="{0964EC53-11DF-499B-BB1F-CF4FC728035A}" presName="Name13" presStyleLbl="parChTrans1D2" presStyleIdx="3" presStyleCnt="9"/>
+      <dgm:prSet presAssocID="{0964EC53-11DF-499B-BB1F-CF4FC728035A}" presName="Name13" presStyleLbl="parChTrans1D2" presStyleIdx="3" presStyleCnt="11"/>
       <dgm:spPr/>
       <dgm:t>
         <a:bodyPr/>
@@ -1764,7 +1886,7 @@
       </dgm:t>
     </dgm:pt>
     <dgm:pt modelId="{99F4284E-8948-46C0-BECC-23C3832C7713}" type="pres">
-      <dgm:prSet presAssocID="{5C14E2D6-B6F1-4A93-B322-844D084BCB28}" presName="childText" presStyleLbl="bgAcc1" presStyleIdx="3" presStyleCnt="9">
+      <dgm:prSet presAssocID="{5C14E2D6-B6F1-4A93-B322-844D084BCB28}" presName="childText" presStyleLbl="bgAcc1" presStyleIdx="3" presStyleCnt="11">
         <dgm:presLayoutVars>
           <dgm:bulletEnabled val="1"/>
         </dgm:presLayoutVars>
@@ -1779,7 +1901,7 @@
       </dgm:t>
     </dgm:pt>
     <dgm:pt modelId="{77CF7837-035B-4350-88EE-A1C68FA1145B}" type="pres">
-      <dgm:prSet presAssocID="{0B7DD321-B52B-4CF1-9DCE-907E2A547AAE}" presName="Name13" presStyleLbl="parChTrans1D2" presStyleIdx="4" presStyleCnt="9"/>
+      <dgm:prSet presAssocID="{0B7DD321-B52B-4CF1-9DCE-907E2A547AAE}" presName="Name13" presStyleLbl="parChTrans1D2" presStyleIdx="4" presStyleCnt="11"/>
       <dgm:spPr/>
       <dgm:t>
         <a:bodyPr/>
@@ -1790,7 +1912,26 @@
       </dgm:t>
     </dgm:pt>
     <dgm:pt modelId="{14571AA6-309B-4083-9A98-53EF42926BEE}" type="pres">
-      <dgm:prSet presAssocID="{B8144074-AB38-4726-A880-8B8D6EED1CBA}" presName="childText" presStyleLbl="bgAcc1" presStyleIdx="4" presStyleCnt="9">
+      <dgm:prSet presAssocID="{B8144074-AB38-4726-A880-8B8D6EED1CBA}" presName="childText" presStyleLbl="bgAcc1" presStyleIdx="4" presStyleCnt="11">
+        <dgm:presLayoutVars>
+          <dgm:bulletEnabled val="1"/>
+        </dgm:presLayoutVars>
+      </dgm:prSet>
+      <dgm:spPr/>
+      <dgm:t>
+        <a:bodyPr/>
+        <a:lstStyle/>
+        <a:p>
+          <a:endParaRPr lang="es-CO"/>
+        </a:p>
+      </dgm:t>
+    </dgm:pt>
+    <dgm:pt modelId="{EB852C47-1E4A-4BA6-A473-FB49B2EE470F}" type="pres">
+      <dgm:prSet presAssocID="{964E1597-A48E-42A6-BA39-CF621AC13E93}" presName="Name13" presStyleLbl="parChTrans1D2" presStyleIdx="5" presStyleCnt="11"/>
+      <dgm:spPr/>
+    </dgm:pt>
+    <dgm:pt modelId="{DF257900-8FC3-4EB6-A28C-FE4FF01A6DA3}" type="pres">
+      <dgm:prSet presAssocID="{050327C0-B45A-416B-BED3-C26080EDB228}" presName="childText" presStyleLbl="bgAcc1" presStyleIdx="5" presStyleCnt="11">
         <dgm:presLayoutVars>
           <dgm:bulletEnabled val="1"/>
         </dgm:presLayoutVars>
@@ -1839,7 +1980,7 @@
       <dgm:spPr/>
     </dgm:pt>
     <dgm:pt modelId="{FF1080CB-5C4A-4390-BBFF-54F63D257FBF}" type="pres">
-      <dgm:prSet presAssocID="{3C164BAF-6A61-4D18-BB64-239E943A68E0}" presName="Name13" presStyleLbl="parChTrans1D2" presStyleIdx="5" presStyleCnt="9"/>
+      <dgm:prSet presAssocID="{3C164BAF-6A61-4D18-BB64-239E943A68E0}" presName="Name13" presStyleLbl="parChTrans1D2" presStyleIdx="6" presStyleCnt="11"/>
       <dgm:spPr/>
       <dgm:t>
         <a:bodyPr/>
@@ -1850,7 +1991,7 @@
       </dgm:t>
     </dgm:pt>
     <dgm:pt modelId="{F8059D26-2A42-42C4-AF5C-0650F3DD98EC}" type="pres">
-      <dgm:prSet presAssocID="{FA19802A-3E20-4707-B853-1C73176C18B2}" presName="childText" presStyleLbl="bgAcc1" presStyleIdx="5" presStyleCnt="9">
+      <dgm:prSet presAssocID="{FA19802A-3E20-4707-B853-1C73176C18B2}" presName="childText" presStyleLbl="bgAcc1" presStyleIdx="6" presStyleCnt="11">
         <dgm:presLayoutVars>
           <dgm:bulletEnabled val="1"/>
         </dgm:presLayoutVars>
@@ -1865,7 +2006,7 @@
       </dgm:t>
     </dgm:pt>
     <dgm:pt modelId="{862F0A2C-D4D1-4F8C-9C07-F36E1642FB05}" type="pres">
-      <dgm:prSet presAssocID="{C8BBBF45-4369-463B-A3F0-FDB18E393C79}" presName="Name13" presStyleLbl="parChTrans1D2" presStyleIdx="6" presStyleCnt="9"/>
+      <dgm:prSet presAssocID="{C8BBBF45-4369-463B-A3F0-FDB18E393C79}" presName="Name13" presStyleLbl="parChTrans1D2" presStyleIdx="7" presStyleCnt="11"/>
       <dgm:spPr/>
       <dgm:t>
         <a:bodyPr/>
@@ -1876,7 +2017,7 @@
       </dgm:t>
     </dgm:pt>
     <dgm:pt modelId="{B372D54D-CCAF-451C-8418-C6F3C1C074E9}" type="pres">
-      <dgm:prSet presAssocID="{77076A91-CA42-4F2E-89AE-E9C8BA6CBB76}" presName="childText" presStyleLbl="bgAcc1" presStyleIdx="6" presStyleCnt="9">
+      <dgm:prSet presAssocID="{77076A91-CA42-4F2E-89AE-E9C8BA6CBB76}" presName="childText" presStyleLbl="bgAcc1" presStyleIdx="7" presStyleCnt="11">
         <dgm:presLayoutVars>
           <dgm:bulletEnabled val="1"/>
         </dgm:presLayoutVars>
@@ -1891,7 +2032,7 @@
       </dgm:t>
     </dgm:pt>
     <dgm:pt modelId="{2502016F-FE4F-4002-B92E-A1A477D066D7}" type="pres">
-      <dgm:prSet presAssocID="{E56804A6-DE94-44DE-9D9D-33DFC5B43C1C}" presName="Name13" presStyleLbl="parChTrans1D2" presStyleIdx="7" presStyleCnt="9"/>
+      <dgm:prSet presAssocID="{E56804A6-DE94-44DE-9D9D-33DFC5B43C1C}" presName="Name13" presStyleLbl="parChTrans1D2" presStyleIdx="8" presStyleCnt="11"/>
       <dgm:spPr/>
       <dgm:t>
         <a:bodyPr/>
@@ -1902,7 +2043,7 @@
       </dgm:t>
     </dgm:pt>
     <dgm:pt modelId="{F318D603-62AE-42F4-BCFE-3CA18EA37A50}" type="pres">
-      <dgm:prSet presAssocID="{FFEE106D-3519-4694-898B-4C42F2854BF0}" presName="childText" presStyleLbl="bgAcc1" presStyleIdx="7" presStyleCnt="9">
+      <dgm:prSet presAssocID="{FFEE106D-3519-4694-898B-4C42F2854BF0}" presName="childText" presStyleLbl="bgAcc1" presStyleIdx="8" presStyleCnt="11">
         <dgm:presLayoutVars>
           <dgm:bulletEnabled val="1"/>
         </dgm:presLayoutVars>
@@ -1917,7 +2058,7 @@
       </dgm:t>
     </dgm:pt>
     <dgm:pt modelId="{505BD0BD-1F1C-483E-8303-C8E3E7E90E58}" type="pres">
-      <dgm:prSet presAssocID="{0DC54F9A-B5D8-4BA5-809E-8DAEDC54F3E0}" presName="Name13" presStyleLbl="parChTrans1D2" presStyleIdx="8" presStyleCnt="9"/>
+      <dgm:prSet presAssocID="{0DC54F9A-B5D8-4BA5-809E-8DAEDC54F3E0}" presName="Name13" presStyleLbl="parChTrans1D2" presStyleIdx="9" presStyleCnt="11"/>
       <dgm:spPr/>
       <dgm:t>
         <a:bodyPr/>
@@ -1928,7 +2069,26 @@
       </dgm:t>
     </dgm:pt>
     <dgm:pt modelId="{29EDC16B-C2D9-48FF-A330-B5322F3C3384}" type="pres">
-      <dgm:prSet presAssocID="{7D7BE312-1D18-4D4B-BE70-C24DB53BF1E8}" presName="childText" presStyleLbl="bgAcc1" presStyleIdx="8" presStyleCnt="9">
+      <dgm:prSet presAssocID="{7D7BE312-1D18-4D4B-BE70-C24DB53BF1E8}" presName="childText" presStyleLbl="bgAcc1" presStyleIdx="9" presStyleCnt="11">
+        <dgm:presLayoutVars>
+          <dgm:bulletEnabled val="1"/>
+        </dgm:presLayoutVars>
+      </dgm:prSet>
+      <dgm:spPr/>
+      <dgm:t>
+        <a:bodyPr/>
+        <a:lstStyle/>
+        <a:p>
+          <a:endParaRPr lang="es-CO"/>
+        </a:p>
+      </dgm:t>
+    </dgm:pt>
+    <dgm:pt modelId="{26FE5ECF-F5DC-46C5-9C20-ABB58390518C}" type="pres">
+      <dgm:prSet presAssocID="{65EBB0F8-FCF9-40CC-8389-6C29D9C92795}" presName="Name13" presStyleLbl="parChTrans1D2" presStyleIdx="10" presStyleCnt="11"/>
+      <dgm:spPr/>
+    </dgm:pt>
+    <dgm:pt modelId="{29E8A9ED-D804-4F01-B5B7-6E869F77CB17}" type="pres">
+      <dgm:prSet presAssocID="{35D15E40-F3CD-4FBF-959C-7AB0452B4262}" presName="childText" presStyleLbl="bgAcc1" presStyleIdx="10" presStyleCnt="11">
         <dgm:presLayoutVars>
           <dgm:bulletEnabled val="1"/>
         </dgm:presLayoutVars>
@@ -1944,43 +2104,49 @@
     </dgm:pt>
   </dgm:ptLst>
   <dgm:cxnLst>
-    <dgm:cxn modelId="{6B393D91-0ADA-4BA2-B31B-351F89CC385C}" type="presOf" srcId="{CE004118-614A-48B0-9C6B-0B9CD7EB9AE5}" destId="{89BE0187-E411-4336-AAB6-E19793FAD7F0}" srcOrd="0" destOrd="0" presId="urn:microsoft.com/office/officeart/2005/8/layout/hierarchy3"/>
-    <dgm:cxn modelId="{84E2BC75-50AD-45CA-87E7-35D45CF45AA0}" type="presOf" srcId="{8E36995D-E040-4272-874A-EA13EF8E54E0}" destId="{8F6C587E-DDC4-4A0C-9F76-6A640CC9CF00}" srcOrd="0" destOrd="0" presId="urn:microsoft.com/office/officeart/2005/8/layout/hierarchy3"/>
-    <dgm:cxn modelId="{FF1D7D83-C1CD-41CF-BB30-35E542AAEAA1}" srcId="{14E82AFB-EFBB-4E88-B7EC-3F87E1639485}" destId="{FFEE106D-3519-4694-898B-4C42F2854BF0}" srcOrd="2" destOrd="0" parTransId="{E56804A6-DE94-44DE-9D9D-33DFC5B43C1C}" sibTransId="{F3F81021-1C5B-43BF-ABFB-61DB98AB11D3}"/>
-    <dgm:cxn modelId="{81839C43-0177-4E54-A972-0145E64C30AB}" type="presOf" srcId="{04F0E6D6-4207-4680-B3B4-D7B4D84FAE76}" destId="{83C4058D-AACF-4F02-A157-8F9993CB6949}" srcOrd="0" destOrd="0" presId="urn:microsoft.com/office/officeart/2005/8/layout/hierarchy3"/>
     <dgm:cxn modelId="{C6637CF6-3429-4E17-B9A8-67174D381DDD}" type="presOf" srcId="{C8BBBF45-4369-463B-A3F0-FDB18E393C79}" destId="{862F0A2C-D4D1-4F8C-9C07-F36E1642FB05}" srcOrd="0" destOrd="0" presId="urn:microsoft.com/office/officeart/2005/8/layout/hierarchy3"/>
     <dgm:cxn modelId="{7480E27A-6372-4304-9D88-175923DCDD36}" type="presOf" srcId="{2AF7E51A-39B6-4271-8959-C07F8FC068D0}" destId="{3B2D107F-998A-49ED-8987-B713F4333FBB}" srcOrd="0" destOrd="0" presId="urn:microsoft.com/office/officeart/2005/8/layout/hierarchy3"/>
+    <dgm:cxn modelId="{7668836E-0F3B-4A88-9663-F4907AC02135}" type="presOf" srcId="{35D15E40-F3CD-4FBF-959C-7AB0452B4262}" destId="{29E8A9ED-D804-4F01-B5B7-6E869F77CB17}" srcOrd="0" destOrd="0" presId="urn:microsoft.com/office/officeart/2005/8/layout/hierarchy3"/>
+    <dgm:cxn modelId="{C14BE83A-D881-46BB-A68B-B0BFFC58DB62}" type="presOf" srcId="{050327C0-B45A-416B-BED3-C26080EDB228}" destId="{DF257900-8FC3-4EB6-A28C-FE4FF01A6DA3}" srcOrd="0" destOrd="0" presId="urn:microsoft.com/office/officeart/2005/8/layout/hierarchy3"/>
     <dgm:cxn modelId="{120D63B0-8061-41A7-8C32-FEC43E58ECA2}" type="presOf" srcId="{5C14E2D6-B6F1-4A93-B322-844D084BCB28}" destId="{99F4284E-8948-46C0-BECC-23C3832C7713}" srcOrd="0" destOrd="0" presId="urn:microsoft.com/office/officeart/2005/8/layout/hierarchy3"/>
+    <dgm:cxn modelId="{A114B287-68B3-4387-9C42-0B96ABED3653}" type="presOf" srcId="{B8144074-AB38-4726-A880-8B8D6EED1CBA}" destId="{14571AA6-309B-4083-9A98-53EF42926BEE}" srcOrd="0" destOrd="0" presId="urn:microsoft.com/office/officeart/2005/8/layout/hierarchy3"/>
+    <dgm:cxn modelId="{AD55AED6-E4BE-4891-B46E-3ADE0C5DCCA7}" type="presOf" srcId="{FA19802A-3E20-4707-B853-1C73176C18B2}" destId="{F8059D26-2A42-42C4-AF5C-0650F3DD98EC}" srcOrd="0" destOrd="0" presId="urn:microsoft.com/office/officeart/2005/8/layout/hierarchy3"/>
+    <dgm:cxn modelId="{109CA546-5901-4476-B3CD-6645573B9F00}" srcId="{8E36995D-E040-4272-874A-EA13EF8E54E0}" destId="{0E359E2E-B7EA-47F6-93DF-A16663F8EF02}" srcOrd="1" destOrd="0" parTransId="{25829F23-2669-44FA-9D1E-EA75CF00F4F1}" sibTransId="{2D1D8481-09F9-4F1E-B017-61F134646F26}"/>
+    <dgm:cxn modelId="{84E2BC75-50AD-45CA-87E7-35D45CF45AA0}" type="presOf" srcId="{8E36995D-E040-4272-874A-EA13EF8E54E0}" destId="{8F6C587E-DDC4-4A0C-9F76-6A640CC9CF00}" srcOrd="0" destOrd="0" presId="urn:microsoft.com/office/officeart/2005/8/layout/hierarchy3"/>
+    <dgm:cxn modelId="{EE779471-F677-48CE-B629-90129C4D69CD}" srcId="{0E359E2E-B7EA-47F6-93DF-A16663F8EF02}" destId="{5C14E2D6-B6F1-4A93-B322-844D084BCB28}" srcOrd="1" destOrd="0" parTransId="{0964EC53-11DF-499B-BB1F-CF4FC728035A}" sibTransId="{59FA2361-E81C-4EE3-872F-20248ADE4F73}"/>
+    <dgm:cxn modelId="{880E0CCA-EEA1-4D9A-8C3C-70992F1D5571}" srcId="{339B2AA3-1E42-4A6B-A378-8FFE23450DEC}" destId="{F373F8EC-0147-411F-B267-E59FF7110209}" srcOrd="1" destOrd="0" parTransId="{CE004118-614A-48B0-9C6B-0B9CD7EB9AE5}" sibTransId="{88A22F0B-E9C9-4ABE-A93F-25A2FA84589F}"/>
+    <dgm:cxn modelId="{9DE312F4-58E8-4575-AB38-0F5A0C299238}" type="presOf" srcId="{0E359E2E-B7EA-47F6-93DF-A16663F8EF02}" destId="{C6F5969B-412F-4F69-9EF1-95A3D9E5E22A}" srcOrd="1" destOrd="0" presId="urn:microsoft.com/office/officeart/2005/8/layout/hierarchy3"/>
+    <dgm:cxn modelId="{D6B61714-AFC2-47B6-84D9-02F35B9277BA}" srcId="{14E82AFB-EFBB-4E88-B7EC-3F87E1639485}" destId="{FA19802A-3E20-4707-B853-1C73176C18B2}" srcOrd="0" destOrd="0" parTransId="{3C164BAF-6A61-4D18-BB64-239E943A68E0}" sibTransId="{1544CD91-3650-4B11-8C1E-A4F326F1D839}"/>
+    <dgm:cxn modelId="{3BB6EA48-E982-4DE8-AE3B-F66D38CD1EAC}" type="presOf" srcId="{7D7BE312-1D18-4D4B-BE70-C24DB53BF1E8}" destId="{29EDC16B-C2D9-48FF-A330-B5322F3C3384}" srcOrd="0" destOrd="0" presId="urn:microsoft.com/office/officeart/2005/8/layout/hierarchy3"/>
+    <dgm:cxn modelId="{C14D09C2-8685-47CD-AE91-B04F21793C3C}" type="presOf" srcId="{77076A91-CA42-4F2E-89AE-E9C8BA6CBB76}" destId="{B372D54D-CCAF-451C-8418-C6F3C1C074E9}" srcOrd="0" destOrd="0" presId="urn:microsoft.com/office/officeart/2005/8/layout/hierarchy3"/>
+    <dgm:cxn modelId="{A383482E-6ACE-4398-B89C-2C0B4B7291E6}" type="presOf" srcId="{0DC54F9A-B5D8-4BA5-809E-8DAEDC54F3E0}" destId="{505BD0BD-1F1C-483E-8303-C8E3E7E90E58}" srcOrd="0" destOrd="0" presId="urn:microsoft.com/office/officeart/2005/8/layout/hierarchy3"/>
+    <dgm:cxn modelId="{C742E2E0-A997-4284-8DD7-6DF5B9B87ED9}" srcId="{14E82AFB-EFBB-4E88-B7EC-3F87E1639485}" destId="{77076A91-CA42-4F2E-89AE-E9C8BA6CBB76}" srcOrd="1" destOrd="0" parTransId="{C8BBBF45-4369-463B-A3F0-FDB18E393C79}" sibTransId="{1E2F2770-C891-4A24-AD53-C06F9513E4B5}"/>
+    <dgm:cxn modelId="{6B393D91-0ADA-4BA2-B31B-351F89CC385C}" type="presOf" srcId="{CE004118-614A-48B0-9C6B-0B9CD7EB9AE5}" destId="{89BE0187-E411-4336-AAB6-E19793FAD7F0}" srcOrd="0" destOrd="0" presId="urn:microsoft.com/office/officeart/2005/8/layout/hierarchy3"/>
+    <dgm:cxn modelId="{A3BE95D4-FC98-4CEB-86B3-CE6857F22880}" srcId="{14E82AFB-EFBB-4E88-B7EC-3F87E1639485}" destId="{7D7BE312-1D18-4D4B-BE70-C24DB53BF1E8}" srcOrd="3" destOrd="0" parTransId="{0DC54F9A-B5D8-4BA5-809E-8DAEDC54F3E0}" sibTransId="{FD6E0301-CFE3-494A-94D2-1CE2BBCCC3EB}"/>
+    <dgm:cxn modelId="{97A3FB52-C814-4736-A6A2-61401BF17068}" srcId="{0E359E2E-B7EA-47F6-93DF-A16663F8EF02}" destId="{9FD407EE-68A3-4B3E-A719-57375680F872}" srcOrd="0" destOrd="0" parTransId="{2AF7E51A-39B6-4271-8959-C07F8FC068D0}" sibTransId="{D9A6411A-6721-4E4E-BF2F-E96FB5A487C8}"/>
+    <dgm:cxn modelId="{C54DAF62-E1E1-4CC9-961F-548C0BABF7B8}" srcId="{8E36995D-E040-4272-874A-EA13EF8E54E0}" destId="{339B2AA3-1E42-4A6B-A378-8FFE23450DEC}" srcOrd="0" destOrd="0" parTransId="{1EB95A9C-0698-4EC7-A1B0-64BB4027B576}" sibTransId="{43019FE5-6242-4E4B-ABBB-CAB4B51B27D5}"/>
+    <dgm:cxn modelId="{41CAFE96-9CFE-4BD5-A06C-E8473A908447}" srcId="{0E359E2E-B7EA-47F6-93DF-A16663F8EF02}" destId="{050327C0-B45A-416B-BED3-C26080EDB228}" srcOrd="3" destOrd="0" parTransId="{964E1597-A48E-42A6-BA39-CF621AC13E93}" sibTransId="{207B2EDB-1FF2-4382-B2FB-1C25D05422A3}"/>
+    <dgm:cxn modelId="{5208B468-F2B2-4F22-BCBE-2352137EE016}" type="presOf" srcId="{9FD407EE-68A3-4B3E-A719-57375680F872}" destId="{9355BA53-A72C-44AC-B665-0AC4C7931B2A}" srcOrd="0" destOrd="0" presId="urn:microsoft.com/office/officeart/2005/8/layout/hierarchy3"/>
+    <dgm:cxn modelId="{B036F477-03A3-4FE4-9439-3F31D0DEB964}" type="presOf" srcId="{42AB4FCE-EC18-4BBA-8DDB-A374F4974D59}" destId="{21548377-70DA-4575-A341-B56A0C95C0C9}" srcOrd="0" destOrd="0" presId="urn:microsoft.com/office/officeart/2005/8/layout/hierarchy3"/>
+    <dgm:cxn modelId="{F0FFB0C0-4BC7-4EBF-9F15-2F1307FBC8C9}" type="presOf" srcId="{3C164BAF-6A61-4D18-BB64-239E943A68E0}" destId="{FF1080CB-5C4A-4390-BBFF-54F63D257FBF}" srcOrd="0" destOrd="0" presId="urn:microsoft.com/office/officeart/2005/8/layout/hierarchy3"/>
+    <dgm:cxn modelId="{81839C43-0177-4E54-A972-0145E64C30AB}" type="presOf" srcId="{04F0E6D6-4207-4680-B3B4-D7B4D84FAE76}" destId="{83C4058D-AACF-4F02-A157-8F9993CB6949}" srcOrd="0" destOrd="0" presId="urn:microsoft.com/office/officeart/2005/8/layout/hierarchy3"/>
+    <dgm:cxn modelId="{60E654CD-6E92-4B5E-9C39-A61757E9FD15}" srcId="{0E359E2E-B7EA-47F6-93DF-A16663F8EF02}" destId="{B8144074-AB38-4726-A880-8B8D6EED1CBA}" srcOrd="2" destOrd="0" parTransId="{0B7DD321-B52B-4CF1-9DCE-907E2A547AAE}" sibTransId="{65596B36-684F-4C43-90D5-CDCF496B4531}"/>
     <dgm:cxn modelId="{8ABCA149-88ED-484E-B8D3-C503ED09F11A}" type="presOf" srcId="{E56804A6-DE94-44DE-9D9D-33DFC5B43C1C}" destId="{2502016F-FE4F-4002-B92E-A1A477D066D7}" srcOrd="0" destOrd="0" presId="urn:microsoft.com/office/officeart/2005/8/layout/hierarchy3"/>
-    <dgm:cxn modelId="{C54DAF62-E1E1-4CC9-961F-548C0BABF7B8}" srcId="{8E36995D-E040-4272-874A-EA13EF8E54E0}" destId="{339B2AA3-1E42-4A6B-A378-8FFE23450DEC}" srcOrd="0" destOrd="0" parTransId="{1EB95A9C-0698-4EC7-A1B0-64BB4027B576}" sibTransId="{43019FE5-6242-4E4B-ABBB-CAB4B51B27D5}"/>
-    <dgm:cxn modelId="{C14D09C2-8685-47CD-AE91-B04F21793C3C}" type="presOf" srcId="{77076A91-CA42-4F2E-89AE-E9C8BA6CBB76}" destId="{B372D54D-CCAF-451C-8418-C6F3C1C074E9}" srcOrd="0" destOrd="0" presId="urn:microsoft.com/office/officeart/2005/8/layout/hierarchy3"/>
+    <dgm:cxn modelId="{398234C9-35B3-414B-8511-7C70F08C52CA}" type="presOf" srcId="{964E1597-A48E-42A6-BA39-CF621AC13E93}" destId="{EB852C47-1E4A-4BA6-A473-FB49B2EE470F}" srcOrd="0" destOrd="0" presId="urn:microsoft.com/office/officeart/2005/8/layout/hierarchy3"/>
+    <dgm:cxn modelId="{695C0A82-DD3E-442C-8147-5A367E7A6599}" srcId="{339B2AA3-1E42-4A6B-A378-8FFE23450DEC}" destId="{04F0E6D6-4207-4680-B3B4-D7B4D84FAE76}" srcOrd="0" destOrd="0" parTransId="{42AB4FCE-EC18-4BBA-8DDB-A374F4974D59}" sibTransId="{43C38E75-5A2B-43F4-B589-6C4810A0115F}"/>
+    <dgm:cxn modelId="{5E7B0802-8023-4235-88E8-85F0076C1676}" type="presOf" srcId="{339B2AA3-1E42-4A6B-A378-8FFE23450DEC}" destId="{4803031E-8532-463E-AA7A-0220A1A348D8}" srcOrd="0" destOrd="0" presId="urn:microsoft.com/office/officeart/2005/8/layout/hierarchy3"/>
+    <dgm:cxn modelId="{F631A798-D23A-411C-BC85-CA0D3AE7E60C}" type="presOf" srcId="{F373F8EC-0147-411F-B267-E59FF7110209}" destId="{482B2676-764C-4D82-8E15-1636D2B3032A}" srcOrd="0" destOrd="0" presId="urn:microsoft.com/office/officeart/2005/8/layout/hierarchy3"/>
+    <dgm:cxn modelId="{F0DA1EB3-40AB-4C45-92CF-98DA4540CF7F}" type="presOf" srcId="{65EBB0F8-FCF9-40CC-8389-6C29D9C92795}" destId="{26FE5ECF-F5DC-46C5-9C20-ABB58390518C}" srcOrd="0" destOrd="0" presId="urn:microsoft.com/office/officeart/2005/8/layout/hierarchy3"/>
+    <dgm:cxn modelId="{8D5518E0-97DD-4254-9FD8-AB86A81B19A7}" srcId="{14E82AFB-EFBB-4E88-B7EC-3F87E1639485}" destId="{35D15E40-F3CD-4FBF-959C-7AB0452B4262}" srcOrd="4" destOrd="0" parTransId="{65EBB0F8-FCF9-40CC-8389-6C29D9C92795}" sibTransId="{DBE65F28-6932-4AE0-8A7C-15E823B32BE4}"/>
+    <dgm:cxn modelId="{3CECE04B-FF7D-4A67-9E19-352042A22495}" type="presOf" srcId="{14E82AFB-EFBB-4E88-B7EC-3F87E1639485}" destId="{FEB03C08-AA20-405E-8F26-9B975DEDD5A5}" srcOrd="0" destOrd="0" presId="urn:microsoft.com/office/officeart/2005/8/layout/hierarchy3"/>
+    <dgm:cxn modelId="{4EB85DEC-4295-4725-BE38-9A81AF4CBAC1}" type="presOf" srcId="{14E82AFB-EFBB-4E88-B7EC-3F87E1639485}" destId="{F873286D-E950-44E8-8D60-DCABB3C76807}" srcOrd="1" destOrd="0" presId="urn:microsoft.com/office/officeart/2005/8/layout/hierarchy3"/>
     <dgm:cxn modelId="{AFF4585B-932A-4996-A486-5B687C08D2F4}" type="presOf" srcId="{339B2AA3-1E42-4A6B-A378-8FFE23450DEC}" destId="{3B843BE8-1887-47C0-B584-2382A74B3552}" srcOrd="1" destOrd="0" presId="urn:microsoft.com/office/officeart/2005/8/layout/hierarchy3"/>
-    <dgm:cxn modelId="{880E0CCA-EEA1-4D9A-8C3C-70992F1D5571}" srcId="{339B2AA3-1E42-4A6B-A378-8FFE23450DEC}" destId="{F373F8EC-0147-411F-B267-E59FF7110209}" srcOrd="1" destOrd="0" parTransId="{CE004118-614A-48B0-9C6B-0B9CD7EB9AE5}" sibTransId="{88A22F0B-E9C9-4ABE-A93F-25A2FA84589F}"/>
-    <dgm:cxn modelId="{AD55AED6-E4BE-4891-B46E-3ADE0C5DCCA7}" type="presOf" srcId="{FA19802A-3E20-4707-B853-1C73176C18B2}" destId="{F8059D26-2A42-42C4-AF5C-0650F3DD98EC}" srcOrd="0" destOrd="0" presId="urn:microsoft.com/office/officeart/2005/8/layout/hierarchy3"/>
-    <dgm:cxn modelId="{4EB85DEC-4295-4725-BE38-9A81AF4CBAC1}" type="presOf" srcId="{14E82AFB-EFBB-4E88-B7EC-3F87E1639485}" destId="{F873286D-E950-44E8-8D60-DCABB3C76807}" srcOrd="1" destOrd="0" presId="urn:microsoft.com/office/officeart/2005/8/layout/hierarchy3"/>
-    <dgm:cxn modelId="{5E7B0802-8023-4235-88E8-85F0076C1676}" type="presOf" srcId="{339B2AA3-1E42-4A6B-A378-8FFE23450DEC}" destId="{4803031E-8532-463E-AA7A-0220A1A348D8}" srcOrd="0" destOrd="0" presId="urn:microsoft.com/office/officeart/2005/8/layout/hierarchy3"/>
+    <dgm:cxn modelId="{FF1D7D83-C1CD-41CF-BB30-35E542AAEAA1}" srcId="{14E82AFB-EFBB-4E88-B7EC-3F87E1639485}" destId="{FFEE106D-3519-4694-898B-4C42F2854BF0}" srcOrd="2" destOrd="0" parTransId="{E56804A6-DE94-44DE-9D9D-33DFC5B43C1C}" sibTransId="{F3F81021-1C5B-43BF-ABFB-61DB98AB11D3}"/>
+    <dgm:cxn modelId="{164F7FDA-6743-4AB0-86C8-E36D4E683C8F}" type="presOf" srcId="{FFEE106D-3519-4694-898B-4C42F2854BF0}" destId="{F318D603-62AE-42F4-BCFE-3CA18EA37A50}" srcOrd="0" destOrd="0" presId="urn:microsoft.com/office/officeart/2005/8/layout/hierarchy3"/>
+    <dgm:cxn modelId="{584D038E-07B9-4A3C-AA96-3CB5D01FBE4E}" type="presOf" srcId="{0B7DD321-B52B-4CF1-9DCE-907E2A547AAE}" destId="{77CF7837-035B-4350-88EE-A1C68FA1145B}" srcOrd="0" destOrd="0" presId="urn:microsoft.com/office/officeart/2005/8/layout/hierarchy3"/>
     <dgm:cxn modelId="{875938F6-66DA-454D-A174-A9186E890F27}" srcId="{8E36995D-E040-4272-874A-EA13EF8E54E0}" destId="{14E82AFB-EFBB-4E88-B7EC-3F87E1639485}" srcOrd="2" destOrd="0" parTransId="{64334382-0B63-4D35-9DEA-4043949C8B2A}" sibTransId="{5753B0E7-0A49-4DDA-A7A1-4176530B9290}"/>
-    <dgm:cxn modelId="{A114B287-68B3-4387-9C42-0B96ABED3653}" type="presOf" srcId="{B8144074-AB38-4726-A880-8B8D6EED1CBA}" destId="{14571AA6-309B-4083-9A98-53EF42926BEE}" srcOrd="0" destOrd="0" presId="urn:microsoft.com/office/officeart/2005/8/layout/hierarchy3"/>
-    <dgm:cxn modelId="{F631A798-D23A-411C-BC85-CA0D3AE7E60C}" type="presOf" srcId="{F373F8EC-0147-411F-B267-E59FF7110209}" destId="{482B2676-764C-4D82-8E15-1636D2B3032A}" srcOrd="0" destOrd="0" presId="urn:microsoft.com/office/officeart/2005/8/layout/hierarchy3"/>
-    <dgm:cxn modelId="{3BB6EA48-E982-4DE8-AE3B-F66D38CD1EAC}" type="presOf" srcId="{7D7BE312-1D18-4D4B-BE70-C24DB53BF1E8}" destId="{29EDC16B-C2D9-48FF-A330-B5322F3C3384}" srcOrd="0" destOrd="0" presId="urn:microsoft.com/office/officeart/2005/8/layout/hierarchy3"/>
-    <dgm:cxn modelId="{164F7FDA-6743-4AB0-86C8-E36D4E683C8F}" type="presOf" srcId="{FFEE106D-3519-4694-898B-4C42F2854BF0}" destId="{F318D603-62AE-42F4-BCFE-3CA18EA37A50}" srcOrd="0" destOrd="0" presId="urn:microsoft.com/office/officeart/2005/8/layout/hierarchy3"/>
-    <dgm:cxn modelId="{F0FFB0C0-4BC7-4EBF-9F15-2F1307FBC8C9}" type="presOf" srcId="{3C164BAF-6A61-4D18-BB64-239E943A68E0}" destId="{FF1080CB-5C4A-4390-BBFF-54F63D257FBF}" srcOrd="0" destOrd="0" presId="urn:microsoft.com/office/officeart/2005/8/layout/hierarchy3"/>
-    <dgm:cxn modelId="{97A3FB52-C814-4736-A6A2-61401BF17068}" srcId="{0E359E2E-B7EA-47F6-93DF-A16663F8EF02}" destId="{9FD407EE-68A3-4B3E-A719-57375680F872}" srcOrd="0" destOrd="0" parTransId="{2AF7E51A-39B6-4271-8959-C07F8FC068D0}" sibTransId="{D9A6411A-6721-4E4E-BF2F-E96FB5A487C8}"/>
-    <dgm:cxn modelId="{C742E2E0-A997-4284-8DD7-6DF5B9B87ED9}" srcId="{14E82AFB-EFBB-4E88-B7EC-3F87E1639485}" destId="{77076A91-CA42-4F2E-89AE-E9C8BA6CBB76}" srcOrd="1" destOrd="0" parTransId="{C8BBBF45-4369-463B-A3F0-FDB18E393C79}" sibTransId="{1E2F2770-C891-4A24-AD53-C06F9513E4B5}"/>
-    <dgm:cxn modelId="{D6B61714-AFC2-47B6-84D9-02F35B9277BA}" srcId="{14E82AFB-EFBB-4E88-B7EC-3F87E1639485}" destId="{FA19802A-3E20-4707-B853-1C73176C18B2}" srcOrd="0" destOrd="0" parTransId="{3C164BAF-6A61-4D18-BB64-239E943A68E0}" sibTransId="{1544CD91-3650-4B11-8C1E-A4F326F1D839}"/>
+    <dgm:cxn modelId="{59C0C639-DC9A-4BA8-921A-8F979FD26995}" type="presOf" srcId="{0E359E2E-B7EA-47F6-93DF-A16663F8EF02}" destId="{8418D95E-1B21-480E-BF78-5FD5FD729F94}" srcOrd="0" destOrd="0" presId="urn:microsoft.com/office/officeart/2005/8/layout/hierarchy3"/>
     <dgm:cxn modelId="{CFA457E7-F333-4E8A-8B11-F5BF51F6A229}" type="presOf" srcId="{0964EC53-11DF-499B-BB1F-CF4FC728035A}" destId="{8726E48D-D2BD-42E8-A23A-54A0D1634165}" srcOrd="0" destOrd="0" presId="urn:microsoft.com/office/officeart/2005/8/layout/hierarchy3"/>
-    <dgm:cxn modelId="{109CA546-5901-4476-B3CD-6645573B9F00}" srcId="{8E36995D-E040-4272-874A-EA13EF8E54E0}" destId="{0E359E2E-B7EA-47F6-93DF-A16663F8EF02}" srcOrd="1" destOrd="0" parTransId="{25829F23-2669-44FA-9D1E-EA75CF00F4F1}" sibTransId="{2D1D8481-09F9-4F1E-B017-61F134646F26}"/>
-    <dgm:cxn modelId="{3CECE04B-FF7D-4A67-9E19-352042A22495}" type="presOf" srcId="{14E82AFB-EFBB-4E88-B7EC-3F87E1639485}" destId="{FEB03C08-AA20-405E-8F26-9B975DEDD5A5}" srcOrd="0" destOrd="0" presId="urn:microsoft.com/office/officeart/2005/8/layout/hierarchy3"/>
-    <dgm:cxn modelId="{A383482E-6ACE-4398-B89C-2C0B4B7291E6}" type="presOf" srcId="{0DC54F9A-B5D8-4BA5-809E-8DAEDC54F3E0}" destId="{505BD0BD-1F1C-483E-8303-C8E3E7E90E58}" srcOrd="0" destOrd="0" presId="urn:microsoft.com/office/officeart/2005/8/layout/hierarchy3"/>
-    <dgm:cxn modelId="{5208B468-F2B2-4F22-BCBE-2352137EE016}" type="presOf" srcId="{9FD407EE-68A3-4B3E-A719-57375680F872}" destId="{9355BA53-A72C-44AC-B665-0AC4C7931B2A}" srcOrd="0" destOrd="0" presId="urn:microsoft.com/office/officeart/2005/8/layout/hierarchy3"/>
-    <dgm:cxn modelId="{EE779471-F677-48CE-B629-90129C4D69CD}" srcId="{0E359E2E-B7EA-47F6-93DF-A16663F8EF02}" destId="{5C14E2D6-B6F1-4A93-B322-844D084BCB28}" srcOrd="1" destOrd="0" parTransId="{0964EC53-11DF-499B-BB1F-CF4FC728035A}" sibTransId="{59FA2361-E81C-4EE3-872F-20248ADE4F73}"/>
-    <dgm:cxn modelId="{B036F477-03A3-4FE4-9439-3F31D0DEB964}" type="presOf" srcId="{42AB4FCE-EC18-4BBA-8DDB-A374F4974D59}" destId="{21548377-70DA-4575-A341-B56A0C95C0C9}" srcOrd="0" destOrd="0" presId="urn:microsoft.com/office/officeart/2005/8/layout/hierarchy3"/>
-    <dgm:cxn modelId="{584D038E-07B9-4A3C-AA96-3CB5D01FBE4E}" type="presOf" srcId="{0B7DD321-B52B-4CF1-9DCE-907E2A547AAE}" destId="{77CF7837-035B-4350-88EE-A1C68FA1145B}" srcOrd="0" destOrd="0" presId="urn:microsoft.com/office/officeart/2005/8/layout/hierarchy3"/>
-    <dgm:cxn modelId="{60E654CD-6E92-4B5E-9C39-A61757E9FD15}" srcId="{0E359E2E-B7EA-47F6-93DF-A16663F8EF02}" destId="{B8144074-AB38-4726-A880-8B8D6EED1CBA}" srcOrd="2" destOrd="0" parTransId="{0B7DD321-B52B-4CF1-9DCE-907E2A547AAE}" sibTransId="{65596B36-684F-4C43-90D5-CDCF496B4531}"/>
-    <dgm:cxn modelId="{695C0A82-DD3E-442C-8147-5A367E7A6599}" srcId="{339B2AA3-1E42-4A6B-A378-8FFE23450DEC}" destId="{04F0E6D6-4207-4680-B3B4-D7B4D84FAE76}" srcOrd="0" destOrd="0" parTransId="{42AB4FCE-EC18-4BBA-8DDB-A374F4974D59}" sibTransId="{43C38E75-5A2B-43F4-B589-6C4810A0115F}"/>
-    <dgm:cxn modelId="{A3BE95D4-FC98-4CEB-86B3-CE6857F22880}" srcId="{14E82AFB-EFBB-4E88-B7EC-3F87E1639485}" destId="{7D7BE312-1D18-4D4B-BE70-C24DB53BF1E8}" srcOrd="3" destOrd="0" parTransId="{0DC54F9A-B5D8-4BA5-809E-8DAEDC54F3E0}" sibTransId="{FD6E0301-CFE3-494A-94D2-1CE2BBCCC3EB}"/>
-    <dgm:cxn modelId="{9DE312F4-58E8-4575-AB38-0F5A0C299238}" type="presOf" srcId="{0E359E2E-B7EA-47F6-93DF-A16663F8EF02}" destId="{C6F5969B-412F-4F69-9EF1-95A3D9E5E22A}" srcOrd="1" destOrd="0" presId="urn:microsoft.com/office/officeart/2005/8/layout/hierarchy3"/>
-    <dgm:cxn modelId="{59C0C639-DC9A-4BA8-921A-8F979FD26995}" type="presOf" srcId="{0E359E2E-B7EA-47F6-93DF-A16663F8EF02}" destId="{8418D95E-1B21-480E-BF78-5FD5FD729F94}" srcOrd="0" destOrd="0" presId="urn:microsoft.com/office/officeart/2005/8/layout/hierarchy3"/>
     <dgm:cxn modelId="{7CDBF74C-6B34-4F6E-9728-1D2ABA394D7E}" type="presParOf" srcId="{8F6C587E-DDC4-4A0C-9F76-6A640CC9CF00}" destId="{D99277F1-0C09-41FF-8ED9-B36CC5CD17CE}" srcOrd="0" destOrd="0" presId="urn:microsoft.com/office/officeart/2005/8/layout/hierarchy3"/>
     <dgm:cxn modelId="{86C4BC03-9AA7-4683-9978-6971163A4AFF}" type="presParOf" srcId="{D99277F1-0C09-41FF-8ED9-B36CC5CD17CE}" destId="{98BB7789-B560-4A49-94D2-A93C8C0FCBFC}" srcOrd="0" destOrd="0" presId="urn:microsoft.com/office/officeart/2005/8/layout/hierarchy3"/>
     <dgm:cxn modelId="{C5992F69-B688-42B6-A10C-B7FD2B89DC4E}" type="presParOf" srcId="{98BB7789-B560-4A49-94D2-A93C8C0FCBFC}" destId="{4803031E-8532-463E-AA7A-0220A1A348D8}" srcOrd="0" destOrd="0" presId="urn:microsoft.com/office/officeart/2005/8/layout/hierarchy3"/>
@@ -2001,6 +2167,8 @@
     <dgm:cxn modelId="{846899E0-D026-4E70-B2C2-30DD3FD7AE85}" type="presParOf" srcId="{5C068BC3-51B5-4EC7-8392-664D448D6B36}" destId="{99F4284E-8948-46C0-BECC-23C3832C7713}" srcOrd="3" destOrd="0" presId="urn:microsoft.com/office/officeart/2005/8/layout/hierarchy3"/>
     <dgm:cxn modelId="{19525C2F-7F7D-4890-B28C-06F98BE156E3}" type="presParOf" srcId="{5C068BC3-51B5-4EC7-8392-664D448D6B36}" destId="{77CF7837-035B-4350-88EE-A1C68FA1145B}" srcOrd="4" destOrd="0" presId="urn:microsoft.com/office/officeart/2005/8/layout/hierarchy3"/>
     <dgm:cxn modelId="{5AE979B1-7670-40C0-8706-72E22B8C316A}" type="presParOf" srcId="{5C068BC3-51B5-4EC7-8392-664D448D6B36}" destId="{14571AA6-309B-4083-9A98-53EF42926BEE}" srcOrd="5" destOrd="0" presId="urn:microsoft.com/office/officeart/2005/8/layout/hierarchy3"/>
+    <dgm:cxn modelId="{6B8A1D17-E440-4983-9FD3-F946B970B0AC}" type="presParOf" srcId="{5C068BC3-51B5-4EC7-8392-664D448D6B36}" destId="{EB852C47-1E4A-4BA6-A473-FB49B2EE470F}" srcOrd="6" destOrd="0" presId="urn:microsoft.com/office/officeart/2005/8/layout/hierarchy3"/>
+    <dgm:cxn modelId="{0D087289-E15C-4CF5-9345-56D23513DCA4}" type="presParOf" srcId="{5C068BC3-51B5-4EC7-8392-664D448D6B36}" destId="{DF257900-8FC3-4EB6-A28C-FE4FF01A6DA3}" srcOrd="7" destOrd="0" presId="urn:microsoft.com/office/officeart/2005/8/layout/hierarchy3"/>
     <dgm:cxn modelId="{887CAAFD-63F9-4D10-869F-EF95E51CC9BF}" type="presParOf" srcId="{8F6C587E-DDC4-4A0C-9F76-6A640CC9CF00}" destId="{A21E167B-1107-4BA8-9DC5-324510321777}" srcOrd="2" destOrd="0" presId="urn:microsoft.com/office/officeart/2005/8/layout/hierarchy3"/>
     <dgm:cxn modelId="{7205F869-0196-469E-B573-6DA44A64AF55}" type="presParOf" srcId="{A21E167B-1107-4BA8-9DC5-324510321777}" destId="{A1B9F9C9-F42D-473D-AAE3-401FEF28914B}" srcOrd="0" destOrd="0" presId="urn:microsoft.com/office/officeart/2005/8/layout/hierarchy3"/>
     <dgm:cxn modelId="{EC39DB8D-3012-4684-81BF-8895973F82ED}" type="presParOf" srcId="{A1B9F9C9-F42D-473D-AAE3-401FEF28914B}" destId="{FEB03C08-AA20-405E-8F26-9B975DEDD5A5}" srcOrd="0" destOrd="0" presId="urn:microsoft.com/office/officeart/2005/8/layout/hierarchy3"/>
@@ -2014,6 +2182,8 @@
     <dgm:cxn modelId="{ED0AAF0B-1434-4DFB-BCCB-7BD9F7117C62}" type="presParOf" srcId="{E3683287-0CBF-40BC-8505-9204A3D5AF18}" destId="{F318D603-62AE-42F4-BCFE-3CA18EA37A50}" srcOrd="5" destOrd="0" presId="urn:microsoft.com/office/officeart/2005/8/layout/hierarchy3"/>
     <dgm:cxn modelId="{5417D512-8441-4B63-A050-BD8413283D0C}" type="presParOf" srcId="{E3683287-0CBF-40BC-8505-9204A3D5AF18}" destId="{505BD0BD-1F1C-483E-8303-C8E3E7E90E58}" srcOrd="6" destOrd="0" presId="urn:microsoft.com/office/officeart/2005/8/layout/hierarchy3"/>
     <dgm:cxn modelId="{10C8F358-6EA9-4054-AB86-F8A514D3A257}" type="presParOf" srcId="{E3683287-0CBF-40BC-8505-9204A3D5AF18}" destId="{29EDC16B-C2D9-48FF-A330-B5322F3C3384}" srcOrd="7" destOrd="0" presId="urn:microsoft.com/office/officeart/2005/8/layout/hierarchy3"/>
+    <dgm:cxn modelId="{C75BC379-0A21-4651-B05F-95AADE322DC9}" type="presParOf" srcId="{E3683287-0CBF-40BC-8505-9204A3D5AF18}" destId="{26FE5ECF-F5DC-46C5-9C20-ABB58390518C}" srcOrd="8" destOrd="0" presId="urn:microsoft.com/office/officeart/2005/8/layout/hierarchy3"/>
+    <dgm:cxn modelId="{C6284257-7B02-423C-9CC9-5288806A723B}" type="presParOf" srcId="{E3683287-0CBF-40BC-8505-9204A3D5AF18}" destId="{29E8A9ED-D804-4F01-B5B7-6E869F77CB17}" srcOrd="9" destOrd="0" presId="urn:microsoft.com/office/officeart/2005/8/layout/hierarchy3"/>
   </dgm:cxnLst>
   <dgm:bg/>
   <dgm:whole/>
@@ -2040,8 +2210,8 @@
       </dsp:nvSpPr>
       <dsp:spPr>
         <a:xfrm>
-          <a:off x="1036845" y="1482"/>
-          <a:ext cx="1439171" cy="719585"/>
+          <a:off x="1471288" y="1699"/>
+          <a:ext cx="1190918" cy="595459"/>
         </a:xfrm>
         <a:prstGeom prst="roundRect">
           <a:avLst>
@@ -2103,12 +2273,12 @@
         </a:fontRef>
       </dsp:style>
       <dsp:txBody>
-        <a:bodyPr spcFirstLastPara="0" vert="horz" wrap="square" lIns="32385" tIns="21590" rIns="32385" bIns="21590" numCol="1" spcCol="1270" anchor="ctr" anchorCtr="0">
+        <a:bodyPr spcFirstLastPara="0" vert="horz" wrap="square" lIns="26670" tIns="17780" rIns="26670" bIns="17780" numCol="1" spcCol="1270" anchor="ctr" anchorCtr="0">
           <a:noAutofit/>
         </a:bodyPr>
         <a:lstStyle/>
         <a:p>
-          <a:pPr lvl="0" algn="ctr" defTabSz="755650">
+          <a:pPr lvl="0" algn="ctr" defTabSz="622300">
             <a:lnSpc>
               <a:spcPct val="90000"/>
             </a:lnSpc>
@@ -2120,15 +2290,15 @@
             </a:spcAft>
           </a:pPr>
           <a:r>
-            <a:rPr lang="es-CO" sz="1700" b="1" kern="1200" dirty="0" smtClean="0"/>
+            <a:rPr lang="es-CO" sz="1400" b="1" kern="1200" dirty="0" smtClean="0"/>
             <a:t>Desempeño</a:t>
           </a:r>
-          <a:endParaRPr lang="es-CO" sz="1700" b="1" kern="1200" dirty="0"/>
+          <a:endParaRPr lang="es-CO" sz="1400" b="1" kern="1200" dirty="0"/>
         </a:p>
       </dsp:txBody>
       <dsp:txXfrm>
-        <a:off x="1036845" y="1482"/>
-        <a:ext cx="1439171" cy="719585"/>
+        <a:off x="1471288" y="1699"/>
+        <a:ext cx="1190918" cy="595459"/>
       </dsp:txXfrm>
     </dsp:sp>
     <dsp:sp modelId="{21548377-70DA-4575-A341-B56A0C95C0C9}">
@@ -2138,8 +2308,8 @@
       </dsp:nvSpPr>
       <dsp:spPr>
         <a:xfrm>
-          <a:off x="1180762" y="721068"/>
-          <a:ext cx="143917" cy="539689"/>
+          <a:off x="1590380" y="597159"/>
+          <a:ext cx="119091" cy="446594"/>
         </a:xfrm>
         <a:custGeom>
           <a:avLst/>
@@ -2153,10 +2323,10 @@
                 <a:pt x="0" y="0"/>
               </a:moveTo>
               <a:lnTo>
-                <a:pt x="0" y="539689"/>
+                <a:pt x="0" y="446594"/>
               </a:lnTo>
               <a:lnTo>
-                <a:pt x="143917" y="539689"/>
+                <a:pt x="119091" y="446594"/>
               </a:lnTo>
             </a:path>
           </a:pathLst>
@@ -2196,8 +2366,8 @@
       </dsp:nvSpPr>
       <dsp:spPr>
         <a:xfrm>
-          <a:off x="1324680" y="900964"/>
-          <a:ext cx="1151337" cy="719585"/>
+          <a:off x="1709471" y="746023"/>
+          <a:ext cx="952735" cy="595459"/>
         </a:xfrm>
         <a:prstGeom prst="roundRect">
           <a:avLst>
@@ -2259,12 +2429,12 @@
         </a:fontRef>
       </dsp:style>
       <dsp:txBody>
-        <a:bodyPr spcFirstLastPara="0" vert="horz" wrap="square" lIns="24765" tIns="16510" rIns="24765" bIns="16510" numCol="1" spcCol="1270" anchor="ctr" anchorCtr="0">
+        <a:bodyPr spcFirstLastPara="0" vert="horz" wrap="square" lIns="20955" tIns="13970" rIns="20955" bIns="13970" numCol="1" spcCol="1270" anchor="ctr" anchorCtr="0">
           <a:noAutofit/>
         </a:bodyPr>
         <a:lstStyle/>
         <a:p>
-          <a:pPr lvl="0" algn="ctr" defTabSz="577850">
+          <a:pPr lvl="0" algn="ctr" defTabSz="488950">
             <a:lnSpc>
               <a:spcPct val="90000"/>
             </a:lnSpc>
@@ -2276,14 +2446,14 @@
             </a:spcAft>
           </a:pPr>
           <a:r>
-            <a:rPr lang="es-CO" sz="1300" kern="1200" dirty="0" smtClean="0">
+            <a:rPr lang="es-CO" sz="1100" kern="1200" dirty="0" smtClean="0">
               <a:solidFill>
                 <a:schemeClr val="bg1"/>
               </a:solidFill>
             </a:rPr>
             <a:t>Concurrencia</a:t>
           </a:r>
-          <a:endParaRPr lang="es-CO" sz="1300" kern="1200" dirty="0">
+          <a:endParaRPr lang="es-CO" sz="1100" kern="1200" dirty="0">
             <a:solidFill>
               <a:schemeClr val="bg1"/>
             </a:solidFill>
@@ -2291,8 +2461,8 @@
         </a:p>
       </dsp:txBody>
       <dsp:txXfrm>
-        <a:off x="1324680" y="900964"/>
-        <a:ext cx="1151337" cy="719585"/>
+        <a:off x="1709471" y="746023"/>
+        <a:ext cx="952735" cy="595459"/>
       </dsp:txXfrm>
     </dsp:sp>
     <dsp:sp modelId="{89BE0187-E411-4336-AAB6-E19793FAD7F0}">
@@ -2302,8 +2472,8 @@
       </dsp:nvSpPr>
       <dsp:spPr>
         <a:xfrm>
-          <a:off x="1180762" y="721068"/>
-          <a:ext cx="143917" cy="1439171"/>
+          <a:off x="1590380" y="597159"/>
+          <a:ext cx="119091" cy="1190918"/>
         </a:xfrm>
         <a:custGeom>
           <a:avLst/>
@@ -2317,10 +2487,10 @@
                 <a:pt x="0" y="0"/>
               </a:moveTo>
               <a:lnTo>
-                <a:pt x="0" y="1439171"/>
+                <a:pt x="0" y="1190918"/>
               </a:lnTo>
               <a:lnTo>
-                <a:pt x="143917" y="1439171"/>
+                <a:pt x="119091" y="1190918"/>
               </a:lnTo>
             </a:path>
           </a:pathLst>
@@ -2360,8 +2530,8 @@
       </dsp:nvSpPr>
       <dsp:spPr>
         <a:xfrm>
-          <a:off x="1324680" y="1800447"/>
-          <a:ext cx="1151337" cy="719585"/>
+          <a:off x="1709471" y="1490348"/>
+          <a:ext cx="952735" cy="595459"/>
         </a:xfrm>
         <a:prstGeom prst="roundRect">
           <a:avLst>
@@ -2423,12 +2593,12 @@
         </a:fontRef>
       </dsp:style>
       <dsp:txBody>
-        <a:bodyPr spcFirstLastPara="0" vert="horz" wrap="square" lIns="24765" tIns="16510" rIns="24765" bIns="16510" numCol="1" spcCol="1270" anchor="ctr" anchorCtr="0">
+        <a:bodyPr spcFirstLastPara="0" vert="horz" wrap="square" lIns="20955" tIns="13970" rIns="20955" bIns="13970" numCol="1" spcCol="1270" anchor="ctr" anchorCtr="0">
           <a:noAutofit/>
         </a:bodyPr>
         <a:lstStyle/>
         <a:p>
-          <a:pPr lvl="0" algn="ctr" defTabSz="577850">
+          <a:pPr lvl="0" algn="ctr" defTabSz="488950">
             <a:lnSpc>
               <a:spcPct val="90000"/>
             </a:lnSpc>
@@ -2440,14 +2610,14 @@
             </a:spcAft>
           </a:pPr>
           <a:r>
-            <a:rPr lang="es-CO" sz="1300" kern="1200" dirty="0" smtClean="0">
+            <a:rPr lang="es-CO" sz="1100" kern="1200" dirty="0" smtClean="0">
               <a:solidFill>
                 <a:schemeClr val="bg1"/>
               </a:solidFill>
             </a:rPr>
             <a:t>Aumento eficiencia computacional</a:t>
           </a:r>
-          <a:endParaRPr lang="es-CO" sz="1300" kern="1200" dirty="0">
+          <a:endParaRPr lang="es-CO" sz="1100" kern="1200" dirty="0">
             <a:solidFill>
               <a:schemeClr val="bg1"/>
             </a:solidFill>
@@ -2455,8 +2625,8 @@
         </a:p>
       </dsp:txBody>
       <dsp:txXfrm>
-        <a:off x="1324680" y="1800447"/>
-        <a:ext cx="1151337" cy="719585"/>
+        <a:off x="1709471" y="1490348"/>
+        <a:ext cx="952735" cy="595459"/>
       </dsp:txXfrm>
     </dsp:sp>
     <dsp:sp modelId="{8418D95E-1B21-480E-BF78-5FD5FD729F94}">
@@ -2466,8 +2636,8 @@
       </dsp:nvSpPr>
       <dsp:spPr>
         <a:xfrm>
-          <a:off x="2835810" y="1482"/>
-          <a:ext cx="1439171" cy="719585"/>
+          <a:off x="2959936" y="1699"/>
+          <a:ext cx="1190918" cy="595459"/>
         </a:xfrm>
         <a:prstGeom prst="roundRect">
           <a:avLst>
@@ -2529,12 +2699,12 @@
         </a:fontRef>
       </dsp:style>
       <dsp:txBody>
-        <a:bodyPr spcFirstLastPara="0" vert="horz" wrap="square" lIns="32385" tIns="21590" rIns="32385" bIns="21590" numCol="1" spcCol="1270" anchor="ctr" anchorCtr="0">
+        <a:bodyPr spcFirstLastPara="0" vert="horz" wrap="square" lIns="26670" tIns="17780" rIns="26670" bIns="17780" numCol="1" spcCol="1270" anchor="ctr" anchorCtr="0">
           <a:noAutofit/>
         </a:bodyPr>
         <a:lstStyle/>
         <a:p>
-          <a:pPr lvl="0" algn="ctr" defTabSz="755650">
+          <a:pPr lvl="0" algn="ctr" defTabSz="622300">
             <a:lnSpc>
               <a:spcPct val="90000"/>
             </a:lnSpc>
@@ -2546,15 +2716,15 @@
             </a:spcAft>
           </a:pPr>
           <a:r>
-            <a:rPr lang="es-CO" sz="1700" b="1" kern="1200" dirty="0" smtClean="0"/>
+            <a:rPr lang="es-CO" sz="1400" b="1" kern="1200" dirty="0" smtClean="0"/>
             <a:t>Seguridad</a:t>
           </a:r>
-          <a:endParaRPr lang="es-CO" sz="1700" b="1" kern="1200" dirty="0"/>
+          <a:endParaRPr lang="es-CO" sz="1400" b="1" kern="1200" dirty="0"/>
         </a:p>
       </dsp:txBody>
       <dsp:txXfrm>
-        <a:off x="2835810" y="1482"/>
-        <a:ext cx="1439171" cy="719585"/>
+        <a:off x="2959936" y="1699"/>
+        <a:ext cx="1190918" cy="595459"/>
       </dsp:txXfrm>
     </dsp:sp>
     <dsp:sp modelId="{3B2D107F-998A-49ED-8987-B713F4333FBB}">
@@ -2564,8 +2734,8 @@
       </dsp:nvSpPr>
       <dsp:spPr>
         <a:xfrm>
-          <a:off x="2979727" y="721068"/>
-          <a:ext cx="143917" cy="539689"/>
+          <a:off x="3079028" y="597159"/>
+          <a:ext cx="119091" cy="446594"/>
         </a:xfrm>
         <a:custGeom>
           <a:avLst/>
@@ -2579,10 +2749,10 @@
                 <a:pt x="0" y="0"/>
               </a:moveTo>
               <a:lnTo>
-                <a:pt x="0" y="539689"/>
+                <a:pt x="0" y="446594"/>
               </a:lnTo>
               <a:lnTo>
-                <a:pt x="143917" y="539689"/>
+                <a:pt x="119091" y="446594"/>
               </a:lnTo>
             </a:path>
           </a:pathLst>
@@ -2622,8 +2792,8 @@
       </dsp:nvSpPr>
       <dsp:spPr>
         <a:xfrm>
-          <a:off x="3123644" y="900964"/>
-          <a:ext cx="1151337" cy="719585"/>
+          <a:off x="3198120" y="746023"/>
+          <a:ext cx="952735" cy="595459"/>
         </a:xfrm>
         <a:prstGeom prst="roundRect">
           <a:avLst>
@@ -2685,12 +2855,12 @@
         </a:fontRef>
       </dsp:style>
       <dsp:txBody>
-        <a:bodyPr spcFirstLastPara="0" vert="horz" wrap="square" lIns="24765" tIns="16510" rIns="24765" bIns="16510" numCol="1" spcCol="1270" anchor="ctr" anchorCtr="0">
+        <a:bodyPr spcFirstLastPara="0" vert="horz" wrap="square" lIns="20955" tIns="13970" rIns="20955" bIns="13970" numCol="1" spcCol="1270" anchor="ctr" anchorCtr="0">
           <a:noAutofit/>
         </a:bodyPr>
         <a:lstStyle/>
         <a:p>
-          <a:pPr lvl="0" algn="ctr" defTabSz="577850">
+          <a:pPr lvl="0" algn="ctr" defTabSz="488950">
             <a:lnSpc>
               <a:spcPct val="90000"/>
             </a:lnSpc>
@@ -2702,14 +2872,14 @@
             </a:spcAft>
           </a:pPr>
           <a:r>
-            <a:rPr lang="es-CO" sz="1300" kern="1200" dirty="0" smtClean="0">
+            <a:rPr lang="es-CO" sz="1100" kern="1200" dirty="0" smtClean="0">
               <a:solidFill>
                 <a:schemeClr val="bg1"/>
               </a:solidFill>
             </a:rPr>
             <a:t>Key Manager</a:t>
           </a:r>
-          <a:endParaRPr lang="es-CO" sz="1300" kern="1200" dirty="0">
+          <a:endParaRPr lang="es-CO" sz="1100" kern="1200" dirty="0">
             <a:solidFill>
               <a:schemeClr val="bg1"/>
             </a:solidFill>
@@ -2717,8 +2887,8 @@
         </a:p>
       </dsp:txBody>
       <dsp:txXfrm>
-        <a:off x="3123644" y="900964"/>
-        <a:ext cx="1151337" cy="719585"/>
+        <a:off x="3198120" y="746023"/>
+        <a:ext cx="952735" cy="595459"/>
       </dsp:txXfrm>
     </dsp:sp>
     <dsp:sp modelId="{8726E48D-D2BD-42E8-A23A-54A0D1634165}">
@@ -2728,8 +2898,8 @@
       </dsp:nvSpPr>
       <dsp:spPr>
         <a:xfrm>
-          <a:off x="2979727" y="721068"/>
-          <a:ext cx="143917" cy="1439171"/>
+          <a:off x="3079028" y="597159"/>
+          <a:ext cx="119091" cy="1190918"/>
         </a:xfrm>
         <a:custGeom>
           <a:avLst/>
@@ -2743,10 +2913,10 @@
                 <a:pt x="0" y="0"/>
               </a:moveTo>
               <a:lnTo>
-                <a:pt x="0" y="1439171"/>
+                <a:pt x="0" y="1190918"/>
               </a:lnTo>
               <a:lnTo>
-                <a:pt x="143917" y="1439171"/>
+                <a:pt x="119091" y="1190918"/>
               </a:lnTo>
             </a:path>
           </a:pathLst>
@@ -2786,8 +2956,8 @@
       </dsp:nvSpPr>
       <dsp:spPr>
         <a:xfrm>
-          <a:off x="3123644" y="1800447"/>
-          <a:ext cx="1151337" cy="719585"/>
+          <a:off x="3198120" y="1490348"/>
+          <a:ext cx="952735" cy="595459"/>
         </a:xfrm>
         <a:prstGeom prst="roundRect">
           <a:avLst>
@@ -2849,12 +3019,12 @@
         </a:fontRef>
       </dsp:style>
       <dsp:txBody>
-        <a:bodyPr spcFirstLastPara="0" vert="horz" wrap="square" lIns="24765" tIns="16510" rIns="24765" bIns="16510" numCol="1" spcCol="1270" anchor="ctr" anchorCtr="0">
+        <a:bodyPr spcFirstLastPara="0" vert="horz" wrap="square" lIns="20955" tIns="13970" rIns="20955" bIns="13970" numCol="1" spcCol="1270" anchor="ctr" anchorCtr="0">
           <a:noAutofit/>
         </a:bodyPr>
         <a:lstStyle/>
         <a:p>
-          <a:pPr lvl="0" algn="ctr" defTabSz="577850">
+          <a:pPr lvl="0" algn="ctr" defTabSz="488950">
             <a:lnSpc>
               <a:spcPct val="90000"/>
             </a:lnSpc>
@@ -2866,7 +3036,7 @@
             </a:spcAft>
           </a:pPr>
           <a:r>
-            <a:rPr lang="es-CO" sz="1300" kern="1200" dirty="0" err="1" smtClean="0">
+            <a:rPr lang="es-CO" sz="1100" kern="1200" dirty="0" err="1" smtClean="0">
               <a:solidFill>
                 <a:schemeClr val="bg1"/>
               </a:solidFill>
@@ -2874,14 +3044,14 @@
             <a:t>Credential</a:t>
           </a:r>
           <a:r>
-            <a:rPr lang="es-CO" sz="1300" kern="1200" dirty="0" smtClean="0">
+            <a:rPr lang="es-CO" sz="1100" kern="1200" dirty="0" smtClean="0">
               <a:solidFill>
                 <a:schemeClr val="bg1"/>
               </a:solidFill>
             </a:rPr>
             <a:t> Manager</a:t>
           </a:r>
-          <a:endParaRPr lang="es-CO" sz="1300" kern="1200" dirty="0">
+          <a:endParaRPr lang="es-CO" sz="1100" kern="1200" dirty="0">
             <a:solidFill>
               <a:schemeClr val="bg1"/>
             </a:solidFill>
@@ -2889,8 +3059,8 @@
         </a:p>
       </dsp:txBody>
       <dsp:txXfrm>
-        <a:off x="3123644" y="1800447"/>
-        <a:ext cx="1151337" cy="719585"/>
+        <a:off x="3198120" y="1490348"/>
+        <a:ext cx="952735" cy="595459"/>
       </dsp:txXfrm>
     </dsp:sp>
     <dsp:sp modelId="{77CF7837-035B-4350-88EE-A1C68FA1145B}">
@@ -2900,8 +3070,8 @@
       </dsp:nvSpPr>
       <dsp:spPr>
         <a:xfrm>
-          <a:off x="2979727" y="721068"/>
-          <a:ext cx="143917" cy="2338653"/>
+          <a:off x="3079028" y="597159"/>
+          <a:ext cx="119091" cy="1935243"/>
         </a:xfrm>
         <a:custGeom>
           <a:avLst/>
@@ -2915,10 +3085,10 @@
                 <a:pt x="0" y="0"/>
               </a:moveTo>
               <a:lnTo>
-                <a:pt x="0" y="2338653"/>
+                <a:pt x="0" y="1935243"/>
               </a:lnTo>
               <a:lnTo>
-                <a:pt x="143917" y="2338653"/>
+                <a:pt x="119091" y="1935243"/>
               </a:lnTo>
             </a:path>
           </a:pathLst>
@@ -2958,8 +3128,8 @@
       </dsp:nvSpPr>
       <dsp:spPr>
         <a:xfrm>
-          <a:off x="3123644" y="2699929"/>
-          <a:ext cx="1151337" cy="719585"/>
+          <a:off x="3198120" y="2234672"/>
+          <a:ext cx="952735" cy="595459"/>
         </a:xfrm>
         <a:prstGeom prst="roundRect">
           <a:avLst>
@@ -3021,12 +3191,12 @@
         </a:fontRef>
       </dsp:style>
       <dsp:txBody>
-        <a:bodyPr spcFirstLastPara="0" vert="horz" wrap="square" lIns="24765" tIns="16510" rIns="24765" bIns="16510" numCol="1" spcCol="1270" anchor="ctr" anchorCtr="0">
+        <a:bodyPr spcFirstLastPara="0" vert="horz" wrap="square" lIns="20955" tIns="13970" rIns="20955" bIns="13970" numCol="1" spcCol="1270" anchor="ctr" anchorCtr="0">
           <a:noAutofit/>
         </a:bodyPr>
         <a:lstStyle/>
         <a:p>
-          <a:pPr lvl="0" algn="ctr" defTabSz="577850">
+          <a:pPr lvl="0" algn="ctr" defTabSz="488950">
             <a:lnSpc>
               <a:spcPct val="90000"/>
             </a:lnSpc>
@@ -3038,14 +3208,14 @@
             </a:spcAft>
           </a:pPr>
           <a:r>
-            <a:rPr lang="es-CO" sz="1300" kern="1200" dirty="0" smtClean="0">
+            <a:rPr lang="es-CO" sz="1100" kern="1200" dirty="0" smtClean="0">
               <a:solidFill>
                 <a:schemeClr val="bg1"/>
               </a:solidFill>
             </a:rPr>
             <a:t>Trust Manager</a:t>
           </a:r>
-          <a:endParaRPr lang="es-CO" sz="1300" kern="1200" dirty="0">
+          <a:endParaRPr lang="es-CO" sz="1100" kern="1200" dirty="0">
             <a:solidFill>
               <a:schemeClr val="bg1"/>
             </a:solidFill>
@@ -3053,8 +3223,172 @@
         </a:p>
       </dsp:txBody>
       <dsp:txXfrm>
-        <a:off x="3123644" y="2699929"/>
-        <a:ext cx="1151337" cy="719585"/>
+        <a:off x="3198120" y="2234672"/>
+        <a:ext cx="952735" cy="595459"/>
+      </dsp:txXfrm>
+    </dsp:sp>
+    <dsp:sp modelId="{EB852C47-1E4A-4BA6-A473-FB49B2EE470F}">
+      <dsp:nvSpPr>
+        <dsp:cNvPr id="0" name=""/>
+        <dsp:cNvSpPr/>
+      </dsp:nvSpPr>
+      <dsp:spPr>
+        <a:xfrm>
+          <a:off x="3079028" y="597159"/>
+          <a:ext cx="119091" cy="2679567"/>
+        </a:xfrm>
+        <a:custGeom>
+          <a:avLst/>
+          <a:gdLst/>
+          <a:ahLst/>
+          <a:cxnLst/>
+          <a:rect l="0" t="0" r="0" b="0"/>
+          <a:pathLst>
+            <a:path>
+              <a:moveTo>
+                <a:pt x="0" y="0"/>
+              </a:moveTo>
+              <a:lnTo>
+                <a:pt x="0" y="2679567"/>
+              </a:lnTo>
+              <a:lnTo>
+                <a:pt x="119091" y="2679567"/>
+              </a:lnTo>
+            </a:path>
+          </a:pathLst>
+        </a:custGeom>
+        <a:noFill/>
+        <a:ln w="25400" cap="flat" cmpd="sng" algn="ctr">
+          <a:solidFill>
+            <a:schemeClr val="accent1">
+              <a:shade val="60000"/>
+              <a:hueOff val="0"/>
+              <a:satOff val="0"/>
+              <a:lumOff val="0"/>
+              <a:alphaOff val="0"/>
+            </a:schemeClr>
+          </a:solidFill>
+          <a:prstDash val="solid"/>
+        </a:ln>
+        <a:effectLst/>
+      </dsp:spPr>
+      <dsp:style>
+        <a:lnRef idx="2">
+          <a:scrgbClr r="0" g="0" b="0"/>
+        </a:lnRef>
+        <a:fillRef idx="0">
+          <a:scrgbClr r="0" g="0" b="0"/>
+        </a:fillRef>
+        <a:effectRef idx="0">
+          <a:scrgbClr r="0" g="0" b="0"/>
+        </a:effectRef>
+        <a:fontRef idx="minor"/>
+      </dsp:style>
+    </dsp:sp>
+    <dsp:sp modelId="{DF257900-8FC3-4EB6-A28C-FE4FF01A6DA3}">
+      <dsp:nvSpPr>
+        <dsp:cNvPr id="0" name=""/>
+        <dsp:cNvSpPr/>
+      </dsp:nvSpPr>
+      <dsp:spPr>
+        <a:xfrm>
+          <a:off x="3198120" y="2978996"/>
+          <a:ext cx="952735" cy="595459"/>
+        </a:xfrm>
+        <a:prstGeom prst="roundRect">
+          <a:avLst>
+            <a:gd name="adj" fmla="val 10000"/>
+          </a:avLst>
+        </a:prstGeom>
+        <a:gradFill rotWithShape="1">
+          <a:gsLst>
+            <a:gs pos="0">
+              <a:schemeClr val="accent5">
+                <a:shade val="51000"/>
+                <a:satMod val="130000"/>
+              </a:schemeClr>
+            </a:gs>
+            <a:gs pos="80000">
+              <a:schemeClr val="accent5">
+                <a:shade val="93000"/>
+                <a:satMod val="130000"/>
+              </a:schemeClr>
+            </a:gs>
+            <a:gs pos="100000">
+              <a:schemeClr val="accent5">
+                <a:shade val="94000"/>
+                <a:satMod val="135000"/>
+              </a:schemeClr>
+            </a:gs>
+          </a:gsLst>
+          <a:lin ang="16200000" scaled="0"/>
+        </a:gradFill>
+        <a:ln w="9525" cap="flat" cmpd="sng" algn="ctr">
+          <a:solidFill>
+            <a:schemeClr val="accent5">
+              <a:shade val="95000"/>
+              <a:satMod val="105000"/>
+            </a:schemeClr>
+          </a:solidFill>
+          <a:prstDash val="solid"/>
+        </a:ln>
+        <a:effectLst>
+          <a:outerShdw blurRad="40000" dist="23000" dir="5400000" rotWithShape="0">
+            <a:srgbClr val="000000">
+              <a:alpha val="35000"/>
+            </a:srgbClr>
+          </a:outerShdw>
+        </a:effectLst>
+      </dsp:spPr>
+      <dsp:style>
+        <a:lnRef idx="1">
+          <a:schemeClr val="accent5"/>
+        </a:lnRef>
+        <a:fillRef idx="3">
+          <a:schemeClr val="accent5"/>
+        </a:fillRef>
+        <a:effectRef idx="2">
+          <a:schemeClr val="accent5"/>
+        </a:effectRef>
+        <a:fontRef idx="minor">
+          <a:schemeClr val="lt1"/>
+        </a:fontRef>
+      </dsp:style>
+      <dsp:txBody>
+        <a:bodyPr spcFirstLastPara="0" vert="horz" wrap="square" lIns="20955" tIns="13970" rIns="20955" bIns="13970" numCol="1" spcCol="1270" anchor="ctr" anchorCtr="0">
+          <a:noAutofit/>
+        </a:bodyPr>
+        <a:lstStyle/>
+        <a:p>
+          <a:pPr lvl="0" algn="ctr" defTabSz="488950">
+            <a:lnSpc>
+              <a:spcPct val="90000"/>
+            </a:lnSpc>
+            <a:spcBef>
+              <a:spcPct val="0"/>
+            </a:spcBef>
+            <a:spcAft>
+              <a:spcPct val="35000"/>
+            </a:spcAft>
+          </a:pPr>
+          <a:r>
+            <a:rPr lang="es-CO" sz="1100" b="0" kern="1200" dirty="0" smtClean="0">
+              <a:solidFill>
+                <a:schemeClr val="bg1"/>
+              </a:solidFill>
+            </a:rPr>
+            <a:t>Auditoría</a:t>
+          </a:r>
+          <a:endParaRPr lang="es-CO" sz="1100" b="0" kern="1200" dirty="0">
+            <a:solidFill>
+              <a:schemeClr val="bg1"/>
+            </a:solidFill>
+          </a:endParaRPr>
+        </a:p>
+      </dsp:txBody>
+      <dsp:txXfrm>
+        <a:off x="3198120" y="2978996"/>
+        <a:ext cx="952735" cy="595459"/>
       </dsp:txXfrm>
     </dsp:sp>
     <dsp:sp modelId="{FEB03C08-AA20-405E-8F26-9B975DEDD5A5}">
@@ -3064,8 +3398,8 @@
       </dsp:nvSpPr>
       <dsp:spPr>
         <a:xfrm>
-          <a:off x="4634774" y="1482"/>
-          <a:ext cx="1439171" cy="719585"/>
+          <a:off x="4448585" y="1699"/>
+          <a:ext cx="1190918" cy="595459"/>
         </a:xfrm>
         <a:prstGeom prst="roundRect">
           <a:avLst>
@@ -3127,12 +3461,12 @@
         </a:fontRef>
       </dsp:style>
       <dsp:txBody>
-        <a:bodyPr spcFirstLastPara="0" vert="horz" wrap="square" lIns="32385" tIns="21590" rIns="32385" bIns="21590" numCol="1" spcCol="1270" anchor="ctr" anchorCtr="0">
+        <a:bodyPr spcFirstLastPara="0" vert="horz" wrap="square" lIns="26670" tIns="17780" rIns="26670" bIns="17780" numCol="1" spcCol="1270" anchor="ctr" anchorCtr="0">
           <a:noAutofit/>
         </a:bodyPr>
         <a:lstStyle/>
         <a:p>
-          <a:pPr lvl="0" algn="ctr" defTabSz="755650">
+          <a:pPr lvl="0" algn="ctr" defTabSz="622300">
             <a:lnSpc>
               <a:spcPct val="90000"/>
             </a:lnSpc>
@@ -3144,15 +3478,15 @@
             </a:spcAft>
           </a:pPr>
           <a:r>
-            <a:rPr lang="es-CO" sz="1700" b="1" kern="1200" dirty="0" smtClean="0"/>
+            <a:rPr lang="es-CO" sz="1400" b="1" kern="1200" dirty="0" smtClean="0"/>
             <a:t>Disponibilidad</a:t>
           </a:r>
-          <a:endParaRPr lang="es-CO" sz="1700" b="1" kern="1200" dirty="0"/>
+          <a:endParaRPr lang="es-CO" sz="1400" b="1" kern="1200" dirty="0"/>
         </a:p>
       </dsp:txBody>
       <dsp:txXfrm>
-        <a:off x="4634774" y="1482"/>
-        <a:ext cx="1439171" cy="719585"/>
+        <a:off x="4448585" y="1699"/>
+        <a:ext cx="1190918" cy="595459"/>
       </dsp:txXfrm>
     </dsp:sp>
     <dsp:sp modelId="{FF1080CB-5C4A-4390-BBFF-54F63D257FBF}">
@@ -3162,8 +3496,8 @@
       </dsp:nvSpPr>
       <dsp:spPr>
         <a:xfrm>
-          <a:off x="4778691" y="721068"/>
-          <a:ext cx="143917" cy="539689"/>
+          <a:off x="4567676" y="597159"/>
+          <a:ext cx="119091" cy="446594"/>
         </a:xfrm>
         <a:custGeom>
           <a:avLst/>
@@ -3177,10 +3511,10 @@
                 <a:pt x="0" y="0"/>
               </a:moveTo>
               <a:lnTo>
-                <a:pt x="0" y="539689"/>
+                <a:pt x="0" y="446594"/>
               </a:lnTo>
               <a:lnTo>
-                <a:pt x="143917" y="539689"/>
+                <a:pt x="119091" y="446594"/>
               </a:lnTo>
             </a:path>
           </a:pathLst>
@@ -3220,8 +3554,8 @@
       </dsp:nvSpPr>
       <dsp:spPr>
         <a:xfrm>
-          <a:off x="4922608" y="900964"/>
-          <a:ext cx="1151337" cy="719585"/>
+          <a:off x="4686768" y="746023"/>
+          <a:ext cx="952735" cy="595459"/>
         </a:xfrm>
         <a:prstGeom prst="roundRect">
           <a:avLst>
@@ -3283,12 +3617,12 @@
         </a:fontRef>
       </dsp:style>
       <dsp:txBody>
-        <a:bodyPr spcFirstLastPara="0" vert="horz" wrap="square" lIns="24765" tIns="16510" rIns="24765" bIns="16510" numCol="1" spcCol="1270" anchor="ctr" anchorCtr="0">
+        <a:bodyPr spcFirstLastPara="0" vert="horz" wrap="square" lIns="20955" tIns="13970" rIns="20955" bIns="13970" numCol="1" spcCol="1270" anchor="ctr" anchorCtr="0">
           <a:noAutofit/>
         </a:bodyPr>
         <a:lstStyle/>
         <a:p>
-          <a:pPr lvl="0" algn="ctr" defTabSz="577850">
+          <a:pPr lvl="0" algn="ctr" defTabSz="488950">
             <a:lnSpc>
               <a:spcPct val="90000"/>
             </a:lnSpc>
@@ -3300,14 +3634,14 @@
             </a:spcAft>
           </a:pPr>
           <a:r>
-            <a:rPr lang="es-CO" sz="1300" kern="1200" dirty="0" smtClean="0">
+            <a:rPr lang="es-CO" sz="1100" kern="1200" dirty="0" smtClean="0">
               <a:solidFill>
                 <a:schemeClr val="bg1"/>
               </a:solidFill>
             </a:rPr>
             <a:t>Replicación</a:t>
           </a:r>
-          <a:endParaRPr lang="es-CO" sz="1300" kern="1200" dirty="0">
+          <a:endParaRPr lang="es-CO" sz="1100" kern="1200" dirty="0">
             <a:solidFill>
               <a:schemeClr val="bg1"/>
             </a:solidFill>
@@ -3315,8 +3649,8 @@
         </a:p>
       </dsp:txBody>
       <dsp:txXfrm>
-        <a:off x="4922608" y="900964"/>
-        <a:ext cx="1151337" cy="719585"/>
+        <a:off x="4686768" y="746023"/>
+        <a:ext cx="952735" cy="595459"/>
       </dsp:txXfrm>
     </dsp:sp>
     <dsp:sp modelId="{862F0A2C-D4D1-4F8C-9C07-F36E1642FB05}">
@@ -3326,8 +3660,8 @@
       </dsp:nvSpPr>
       <dsp:spPr>
         <a:xfrm>
-          <a:off x="4778691" y="721068"/>
-          <a:ext cx="143917" cy="1439171"/>
+          <a:off x="4567676" y="597159"/>
+          <a:ext cx="119091" cy="1190918"/>
         </a:xfrm>
         <a:custGeom>
           <a:avLst/>
@@ -3341,10 +3675,10 @@
                 <a:pt x="0" y="0"/>
               </a:moveTo>
               <a:lnTo>
-                <a:pt x="0" y="1439171"/>
+                <a:pt x="0" y="1190918"/>
               </a:lnTo>
               <a:lnTo>
-                <a:pt x="143917" y="1439171"/>
+                <a:pt x="119091" y="1190918"/>
               </a:lnTo>
             </a:path>
           </a:pathLst>
@@ -3384,8 +3718,8 @@
       </dsp:nvSpPr>
       <dsp:spPr>
         <a:xfrm>
-          <a:off x="4922608" y="1800447"/>
-          <a:ext cx="1151337" cy="719585"/>
+          <a:off x="4686768" y="1490348"/>
+          <a:ext cx="952735" cy="595459"/>
         </a:xfrm>
         <a:prstGeom prst="roundRect">
           <a:avLst>
@@ -3447,12 +3781,12 @@
         </a:fontRef>
       </dsp:style>
       <dsp:txBody>
-        <a:bodyPr spcFirstLastPara="0" vert="horz" wrap="square" lIns="24765" tIns="16510" rIns="24765" bIns="16510" numCol="1" spcCol="1270" anchor="ctr" anchorCtr="0">
+        <a:bodyPr spcFirstLastPara="0" vert="horz" wrap="square" lIns="20955" tIns="13970" rIns="20955" bIns="13970" numCol="1" spcCol="1270" anchor="ctr" anchorCtr="0">
           <a:noAutofit/>
         </a:bodyPr>
         <a:lstStyle/>
         <a:p>
-          <a:pPr lvl="0" algn="ctr" defTabSz="577850">
+          <a:pPr lvl="0" algn="ctr" defTabSz="488950">
             <a:lnSpc>
               <a:spcPct val="90000"/>
             </a:lnSpc>
@@ -3464,14 +3798,14 @@
             </a:spcAft>
           </a:pPr>
           <a:r>
-            <a:rPr lang="es-CO" sz="1300" kern="1200" dirty="0" smtClean="0">
+            <a:rPr lang="es-CO" sz="1100" kern="1200" dirty="0" smtClean="0">
               <a:solidFill>
                 <a:schemeClr val="bg1"/>
               </a:solidFill>
             </a:rPr>
             <a:t>Seguridad física</a:t>
           </a:r>
-          <a:endParaRPr lang="es-CO" sz="1300" kern="1200" dirty="0">
+          <a:endParaRPr lang="es-CO" sz="1100" kern="1200" dirty="0">
             <a:solidFill>
               <a:schemeClr val="bg1"/>
             </a:solidFill>
@@ -3479,8 +3813,8 @@
         </a:p>
       </dsp:txBody>
       <dsp:txXfrm>
-        <a:off x="4922608" y="1800447"/>
-        <a:ext cx="1151337" cy="719585"/>
+        <a:off x="4686768" y="1490348"/>
+        <a:ext cx="952735" cy="595459"/>
       </dsp:txXfrm>
     </dsp:sp>
     <dsp:sp modelId="{2502016F-FE4F-4002-B92E-A1A477D066D7}">
@@ -3490,8 +3824,8 @@
       </dsp:nvSpPr>
       <dsp:spPr>
         <a:xfrm>
-          <a:off x="4778691" y="721068"/>
-          <a:ext cx="143917" cy="2338653"/>
+          <a:off x="4567676" y="597159"/>
+          <a:ext cx="119091" cy="1935243"/>
         </a:xfrm>
         <a:custGeom>
           <a:avLst/>
@@ -3505,10 +3839,10 @@
                 <a:pt x="0" y="0"/>
               </a:moveTo>
               <a:lnTo>
-                <a:pt x="0" y="2338653"/>
+                <a:pt x="0" y="1935243"/>
               </a:lnTo>
               <a:lnTo>
-                <a:pt x="143917" y="2338653"/>
+                <a:pt x="119091" y="1935243"/>
               </a:lnTo>
             </a:path>
           </a:pathLst>
@@ -3548,8 +3882,8 @@
       </dsp:nvSpPr>
       <dsp:spPr>
         <a:xfrm>
-          <a:off x="4922608" y="2699929"/>
-          <a:ext cx="1151337" cy="719585"/>
+          <a:off x="4686768" y="2234672"/>
+          <a:ext cx="952735" cy="595459"/>
         </a:xfrm>
         <a:prstGeom prst="roundRect">
           <a:avLst>
@@ -3611,12 +3945,12 @@
         </a:fontRef>
       </dsp:style>
       <dsp:txBody>
-        <a:bodyPr spcFirstLastPara="0" vert="horz" wrap="square" lIns="24765" tIns="16510" rIns="24765" bIns="16510" numCol="1" spcCol="1270" anchor="ctr" anchorCtr="0">
+        <a:bodyPr spcFirstLastPara="0" vert="horz" wrap="square" lIns="20955" tIns="13970" rIns="20955" bIns="13970" numCol="1" spcCol="1270" anchor="ctr" anchorCtr="0">
           <a:noAutofit/>
         </a:bodyPr>
         <a:lstStyle/>
         <a:p>
-          <a:pPr lvl="0" algn="ctr" defTabSz="577850">
+          <a:pPr lvl="0" algn="ctr" defTabSz="488950">
             <a:lnSpc>
               <a:spcPct val="90000"/>
             </a:lnSpc>
@@ -3628,14 +3962,14 @@
             </a:spcAft>
           </a:pPr>
           <a:r>
-            <a:rPr lang="es-CO" sz="1300" kern="1200" smtClean="0">
+            <a:rPr lang="es-CO" sz="1100" kern="1200" smtClean="0">
               <a:solidFill>
                 <a:schemeClr val="bg1"/>
               </a:solidFill>
             </a:rPr>
             <a:t>Balanceo de Cargas</a:t>
           </a:r>
-          <a:endParaRPr lang="es-CO" sz="1300" kern="1200" dirty="0">
+          <a:endParaRPr lang="es-CO" sz="1100" kern="1200" dirty="0">
             <a:solidFill>
               <a:schemeClr val="bg1"/>
             </a:solidFill>
@@ -3643,8 +3977,8 @@
         </a:p>
       </dsp:txBody>
       <dsp:txXfrm>
-        <a:off x="4922608" y="2699929"/>
-        <a:ext cx="1151337" cy="719585"/>
+        <a:off x="4686768" y="2234672"/>
+        <a:ext cx="952735" cy="595459"/>
       </dsp:txXfrm>
     </dsp:sp>
     <dsp:sp modelId="{505BD0BD-1F1C-483E-8303-C8E3E7E90E58}">
@@ -3654,8 +3988,8 @@
       </dsp:nvSpPr>
       <dsp:spPr>
         <a:xfrm>
-          <a:off x="4778691" y="721068"/>
-          <a:ext cx="143917" cy="3238135"/>
+          <a:off x="4567676" y="597159"/>
+          <a:ext cx="119091" cy="2679567"/>
         </a:xfrm>
         <a:custGeom>
           <a:avLst/>
@@ -3669,10 +4003,10 @@
                 <a:pt x="0" y="0"/>
               </a:moveTo>
               <a:lnTo>
-                <a:pt x="0" y="3238135"/>
+                <a:pt x="0" y="2679567"/>
               </a:lnTo>
               <a:lnTo>
-                <a:pt x="143917" y="3238135"/>
+                <a:pt x="119091" y="2679567"/>
               </a:lnTo>
             </a:path>
           </a:pathLst>
@@ -3712,8 +4046,8 @@
       </dsp:nvSpPr>
       <dsp:spPr>
         <a:xfrm>
-          <a:off x="4922608" y="3599411"/>
-          <a:ext cx="1151337" cy="719585"/>
+          <a:off x="4686768" y="2978996"/>
+          <a:ext cx="952735" cy="595459"/>
         </a:xfrm>
         <a:prstGeom prst="roundRect">
           <a:avLst>
@@ -3775,12 +4109,12 @@
         </a:fontRef>
       </dsp:style>
       <dsp:txBody>
-        <a:bodyPr spcFirstLastPara="0" vert="horz" wrap="square" lIns="24765" tIns="16510" rIns="24765" bIns="16510" numCol="1" spcCol="1270" anchor="ctr" anchorCtr="0">
+        <a:bodyPr spcFirstLastPara="0" vert="horz" wrap="square" lIns="20955" tIns="13970" rIns="20955" bIns="13970" numCol="1" spcCol="1270" anchor="ctr" anchorCtr="0">
           <a:noAutofit/>
         </a:bodyPr>
         <a:lstStyle/>
         <a:p>
-          <a:pPr lvl="0" algn="ctr" defTabSz="577850">
+          <a:pPr lvl="0" algn="ctr" defTabSz="488950">
             <a:lnSpc>
               <a:spcPct val="90000"/>
             </a:lnSpc>
@@ -3792,14 +4126,14 @@
             </a:spcAft>
           </a:pPr>
           <a:r>
-            <a:rPr lang="es-CO" sz="1300" kern="1200" dirty="0" smtClean="0">
+            <a:rPr lang="es-CO" sz="1100" kern="1200" dirty="0" smtClean="0">
               <a:solidFill>
                 <a:schemeClr val="bg1"/>
               </a:solidFill>
             </a:rPr>
             <a:t>Recuperación</a:t>
           </a:r>
-          <a:endParaRPr lang="es-CO" sz="1300" kern="1200" dirty="0">
+          <a:endParaRPr lang="es-CO" sz="1100" kern="1200" dirty="0">
             <a:solidFill>
               <a:schemeClr val="bg1"/>
             </a:solidFill>
@@ -3807,8 +4141,188 @@
         </a:p>
       </dsp:txBody>
       <dsp:txXfrm>
-        <a:off x="4922608" y="3599411"/>
-        <a:ext cx="1151337" cy="719585"/>
+        <a:off x="4686768" y="2978996"/>
+        <a:ext cx="952735" cy="595459"/>
+      </dsp:txXfrm>
+    </dsp:sp>
+    <dsp:sp modelId="{26FE5ECF-F5DC-46C5-9C20-ABB58390518C}">
+      <dsp:nvSpPr>
+        <dsp:cNvPr id="0" name=""/>
+        <dsp:cNvSpPr/>
+      </dsp:nvSpPr>
+      <dsp:spPr>
+        <a:xfrm>
+          <a:off x="4567676" y="597159"/>
+          <a:ext cx="119091" cy="3423891"/>
+        </a:xfrm>
+        <a:custGeom>
+          <a:avLst/>
+          <a:gdLst/>
+          <a:ahLst/>
+          <a:cxnLst/>
+          <a:rect l="0" t="0" r="0" b="0"/>
+          <a:pathLst>
+            <a:path>
+              <a:moveTo>
+                <a:pt x="0" y="0"/>
+              </a:moveTo>
+              <a:lnTo>
+                <a:pt x="0" y="3423891"/>
+              </a:lnTo>
+              <a:lnTo>
+                <a:pt x="119091" y="3423891"/>
+              </a:lnTo>
+            </a:path>
+          </a:pathLst>
+        </a:custGeom>
+        <a:noFill/>
+        <a:ln w="25400" cap="flat" cmpd="sng" algn="ctr">
+          <a:solidFill>
+            <a:schemeClr val="accent1">
+              <a:shade val="60000"/>
+              <a:hueOff val="0"/>
+              <a:satOff val="0"/>
+              <a:lumOff val="0"/>
+              <a:alphaOff val="0"/>
+            </a:schemeClr>
+          </a:solidFill>
+          <a:prstDash val="solid"/>
+        </a:ln>
+        <a:effectLst/>
+      </dsp:spPr>
+      <dsp:style>
+        <a:lnRef idx="2">
+          <a:scrgbClr r="0" g="0" b="0"/>
+        </a:lnRef>
+        <a:fillRef idx="0">
+          <a:scrgbClr r="0" g="0" b="0"/>
+        </a:fillRef>
+        <a:effectRef idx="0">
+          <a:scrgbClr r="0" g="0" b="0"/>
+        </a:effectRef>
+        <a:fontRef idx="minor"/>
+      </dsp:style>
+    </dsp:sp>
+    <dsp:sp modelId="{29E8A9ED-D804-4F01-B5B7-6E869F77CB17}">
+      <dsp:nvSpPr>
+        <dsp:cNvPr id="0" name=""/>
+        <dsp:cNvSpPr/>
+      </dsp:nvSpPr>
+      <dsp:spPr>
+        <a:xfrm>
+          <a:off x="4686768" y="3723320"/>
+          <a:ext cx="952735" cy="595459"/>
+        </a:xfrm>
+        <a:prstGeom prst="roundRect">
+          <a:avLst>
+            <a:gd name="adj" fmla="val 10000"/>
+          </a:avLst>
+        </a:prstGeom>
+        <a:gradFill rotWithShape="1">
+          <a:gsLst>
+            <a:gs pos="0">
+              <a:schemeClr val="accent6">
+                <a:shade val="51000"/>
+                <a:satMod val="130000"/>
+              </a:schemeClr>
+            </a:gs>
+            <a:gs pos="80000">
+              <a:schemeClr val="accent6">
+                <a:shade val="93000"/>
+                <a:satMod val="130000"/>
+              </a:schemeClr>
+            </a:gs>
+            <a:gs pos="100000">
+              <a:schemeClr val="accent6">
+                <a:shade val="94000"/>
+                <a:satMod val="135000"/>
+              </a:schemeClr>
+            </a:gs>
+          </a:gsLst>
+          <a:lin ang="16200000" scaled="0"/>
+        </a:gradFill>
+        <a:ln w="9525" cap="flat" cmpd="sng" algn="ctr">
+          <a:solidFill>
+            <a:schemeClr val="accent6">
+              <a:shade val="95000"/>
+              <a:satMod val="105000"/>
+            </a:schemeClr>
+          </a:solidFill>
+          <a:prstDash val="solid"/>
+        </a:ln>
+        <a:effectLst>
+          <a:outerShdw blurRad="40000" dist="23000" dir="5400000" rotWithShape="0">
+            <a:srgbClr val="000000">
+              <a:alpha val="35000"/>
+            </a:srgbClr>
+          </a:outerShdw>
+        </a:effectLst>
+      </dsp:spPr>
+      <dsp:style>
+        <a:lnRef idx="1">
+          <a:schemeClr val="accent6"/>
+        </a:lnRef>
+        <a:fillRef idx="3">
+          <a:schemeClr val="accent6"/>
+        </a:fillRef>
+        <a:effectRef idx="2">
+          <a:schemeClr val="accent6"/>
+        </a:effectRef>
+        <a:fontRef idx="minor">
+          <a:schemeClr val="lt1"/>
+        </a:fontRef>
+      </dsp:style>
+      <dsp:txBody>
+        <a:bodyPr spcFirstLastPara="0" vert="horz" wrap="square" lIns="20955" tIns="13970" rIns="20955" bIns="13970" numCol="1" spcCol="1270" anchor="ctr" anchorCtr="0">
+          <a:noAutofit/>
+        </a:bodyPr>
+        <a:lstStyle/>
+        <a:p>
+          <a:pPr lvl="0" algn="ctr" defTabSz="488950">
+            <a:lnSpc>
+              <a:spcPct val="90000"/>
+            </a:lnSpc>
+            <a:spcBef>
+              <a:spcPct val="0"/>
+            </a:spcBef>
+            <a:spcAft>
+              <a:spcPct val="35000"/>
+            </a:spcAft>
+          </a:pPr>
+          <a:r>
+            <a:rPr lang="en-US" sz="1100" kern="1200" dirty="0" err="1" smtClean="0">
+              <a:solidFill>
+                <a:schemeClr val="bg1"/>
+              </a:solidFill>
+            </a:rPr>
+            <a:t>Manejo</a:t>
+          </a:r>
+          <a:r>
+            <a:rPr lang="en-US" sz="1100" kern="1200" dirty="0" smtClean="0">
+              <a:solidFill>
+                <a:schemeClr val="bg1"/>
+              </a:solidFill>
+            </a:rPr>
+            <a:t> de </a:t>
+          </a:r>
+          <a:r>
+            <a:rPr lang="en-US" sz="1100" kern="1200" dirty="0" err="1" smtClean="0">
+              <a:solidFill>
+                <a:schemeClr val="bg1"/>
+              </a:solidFill>
+            </a:rPr>
+            <a:t>datos</a:t>
+          </a:r>
+          <a:endParaRPr lang="es-CO" sz="1100" kern="1200" dirty="0">
+            <a:solidFill>
+              <a:schemeClr val="bg1"/>
+            </a:solidFill>
+          </a:endParaRPr>
+        </a:p>
+      </dsp:txBody>
+      <dsp:txXfrm>
+        <a:off x="4686768" y="3723320"/>
+        <a:ext cx="952735" cy="595459"/>
       </dsp:txXfrm>
     </dsp:sp>
   </dsp:spTree>
@@ -12755,6 +13269,40 @@
           </a:p>
         </p:txBody>
       </p:sp>
+      <p:pic>
+        <p:nvPicPr>
+          <p:cNvPr id="20485" name="Picture 5"/>
+          <p:cNvPicPr>
+            <a:picLocks noChangeAspect="1" noChangeArrowheads="1"/>
+          </p:cNvPicPr>
+          <p:nvPr/>
+        </p:nvPicPr>
+        <p:blipFill>
+          <a:blip r:embed="rId9" cstate="print"/>
+          <a:srcRect/>
+          <a:stretch>
+            <a:fillRect/>
+          </a:stretch>
+        </p:blipFill>
+        <p:spPr bwMode="auto">
+          <a:xfrm>
+            <a:off x="6149352" y="5225432"/>
+            <a:ext cx="504056" cy="301204"/>
+          </a:xfrm>
+          <a:prstGeom prst="rect">
+            <a:avLst/>
+          </a:prstGeom>
+          <a:noFill/>
+          <a:ln w="28575">
+            <a:solidFill>
+              <a:srgbClr val="0097CC"/>
+            </a:solidFill>
+            <a:miter lim="800000"/>
+            <a:headEnd/>
+            <a:tailEnd/>
+          </a:ln>
+        </p:spPr>
+      </p:pic>
     </p:spTree>
   </p:cSld>
   <p:clrMapOvr>
